--- a/proyecto AYDS .pptx
+++ b/proyecto AYDS .pptx
@@ -1,23 +1,23 @@
 
 <file path=ppt/presentation.xml><?xml version="1.0" encoding="utf-8"?>
-<p:presentation xmlns:a="http://schemas.openxmlformats.org/drawingml/2006/main" xmlns:r="http://schemas.openxmlformats.org/officeDocument/2006/relationships" xmlns:mc="http://schemas.openxmlformats.org/markup-compatibility/2006" xmlns:mv="urn:schemas-microsoft-com:mac:vml" xmlns:p="http://schemas.openxmlformats.org/presentationml/2006/main" xmlns:c="http://schemas.openxmlformats.org/drawingml/2006/chart" xmlns:dgm="http://schemas.openxmlformats.org/drawingml/2006/diagram" xmlns:o="urn:schemas-microsoft-com:office:office" xmlns:v="urn:schemas-microsoft-com:vml" xmlns:pvml="urn:schemas-microsoft-com:office:powerpoint" xmlns:com="http://schemas.openxmlformats.org/drawingml/2006/compatibility" xmlns:p14="http://schemas.microsoft.com/office/powerpoint/2010/main" xmlns:p15="http://schemas.microsoft.com/office/powerpoint/2012/main" xmlns:ahyp="http://schemas.microsoft.com/office/drawing/2018/hyperlinkcolor" autoCompressPictures="0" strictFirstAndLastChars="0" saveSubsetFonts="1">
+<p:presentation xmlns:a="http://schemas.openxmlformats.org/drawingml/2006/main" xmlns:r="http://schemas.openxmlformats.org/officeDocument/2006/relationships" xmlns:p="http://schemas.openxmlformats.org/presentationml/2006/main" strictFirstAndLastChars="0" saveSubsetFonts="1" autoCompressPictures="0">
   <p:sldMasterIdLst>
-    <p:sldMasterId id="2147483659" r:id="rId4"/>
+    <p:sldMasterId id="2147483659" r:id="rId1"/>
   </p:sldMasterIdLst>
   <p:notesMasterIdLst>
-    <p:notesMasterId r:id="rId5"/>
+    <p:notesMasterId r:id="rId7"/>
   </p:notesMasterIdLst>
   <p:sldIdLst>
-    <p:sldId id="256" r:id="rId6"/>
-    <p:sldId id="257" r:id="rId7"/>
-    <p:sldId id="258" r:id="rId8"/>
-    <p:sldId id="259" r:id="rId9"/>
-    <p:sldId id="260" r:id="rId10"/>
+    <p:sldId id="256" r:id="rId2"/>
+    <p:sldId id="257" r:id="rId3"/>
+    <p:sldId id="258" r:id="rId4"/>
+    <p:sldId id="259" r:id="rId5"/>
+    <p:sldId id="260" r:id="rId6"/>
   </p:sldIdLst>
-  <p:sldSz cy="5143500" cx="9144000"/>
+  <p:sldSz cx="9144000" cy="5143500" type="screen16x9"/>
   <p:notesSz cx="6858000" cy="9144000"/>
   <p:defaultTextStyle>
-    <a:defPPr lvl="0" marR="0" rtl="0" algn="l">
+    <a:defPPr marR="0" lvl="0" algn="l" rtl="0">
       <a:lnSpc>
         <a:spcPct val="100000"/>
       </a:lnSpc>
@@ -28,7 +28,7 @@
         <a:spcPts val="0"/>
       </a:spcAft>
     </a:defPPr>
-    <a:lvl1pPr lvl="0" marR="0" rtl="0" algn="l">
+    <a:lvl1pPr marR="0" lvl="0" algn="l" rtl="0">
       <a:lnSpc>
         <a:spcPct val="100000"/>
       </a:lnSpc>
@@ -42,7 +42,7 @@
         <a:srgbClr val="000000"/>
       </a:buClr>
       <a:buFont typeface="Arial"/>
-      <a:defRPr b="0" i="0" sz="1400" u="none" cap="none" strike="noStrike">
+      <a:defRPr sz="1400" b="0" i="0" u="none" strike="noStrike" cap="none">
         <a:solidFill>
           <a:srgbClr val="000000"/>
         </a:solidFill>
@@ -52,7 +52,7 @@
         <a:sym typeface="Arial"/>
       </a:defRPr>
     </a:lvl1pPr>
-    <a:lvl2pPr lvl="1" marR="0" rtl="0" algn="l">
+    <a:lvl2pPr marR="0" lvl="1" algn="l" rtl="0">
       <a:lnSpc>
         <a:spcPct val="100000"/>
       </a:lnSpc>
@@ -66,7 +66,7 @@
         <a:srgbClr val="000000"/>
       </a:buClr>
       <a:buFont typeface="Arial"/>
-      <a:defRPr b="0" i="0" sz="1400" u="none" cap="none" strike="noStrike">
+      <a:defRPr sz="1400" b="0" i="0" u="none" strike="noStrike" cap="none">
         <a:solidFill>
           <a:srgbClr val="000000"/>
         </a:solidFill>
@@ -76,7 +76,7 @@
         <a:sym typeface="Arial"/>
       </a:defRPr>
     </a:lvl2pPr>
-    <a:lvl3pPr lvl="2" marR="0" rtl="0" algn="l">
+    <a:lvl3pPr marR="0" lvl="2" algn="l" rtl="0">
       <a:lnSpc>
         <a:spcPct val="100000"/>
       </a:lnSpc>
@@ -90,7 +90,7 @@
         <a:srgbClr val="000000"/>
       </a:buClr>
       <a:buFont typeface="Arial"/>
-      <a:defRPr b="0" i="0" sz="1400" u="none" cap="none" strike="noStrike">
+      <a:defRPr sz="1400" b="0" i="0" u="none" strike="noStrike" cap="none">
         <a:solidFill>
           <a:srgbClr val="000000"/>
         </a:solidFill>
@@ -100,7 +100,7 @@
         <a:sym typeface="Arial"/>
       </a:defRPr>
     </a:lvl3pPr>
-    <a:lvl4pPr lvl="3" marR="0" rtl="0" algn="l">
+    <a:lvl4pPr marR="0" lvl="3" algn="l" rtl="0">
       <a:lnSpc>
         <a:spcPct val="100000"/>
       </a:lnSpc>
@@ -114,7 +114,7 @@
         <a:srgbClr val="000000"/>
       </a:buClr>
       <a:buFont typeface="Arial"/>
-      <a:defRPr b="0" i="0" sz="1400" u="none" cap="none" strike="noStrike">
+      <a:defRPr sz="1400" b="0" i="0" u="none" strike="noStrike" cap="none">
         <a:solidFill>
           <a:srgbClr val="000000"/>
         </a:solidFill>
@@ -124,7 +124,7 @@
         <a:sym typeface="Arial"/>
       </a:defRPr>
     </a:lvl4pPr>
-    <a:lvl5pPr lvl="4" marR="0" rtl="0" algn="l">
+    <a:lvl5pPr marR="0" lvl="4" algn="l" rtl="0">
       <a:lnSpc>
         <a:spcPct val="100000"/>
       </a:lnSpc>
@@ -138,7 +138,7 @@
         <a:srgbClr val="000000"/>
       </a:buClr>
       <a:buFont typeface="Arial"/>
-      <a:defRPr b="0" i="0" sz="1400" u="none" cap="none" strike="noStrike">
+      <a:defRPr sz="1400" b="0" i="0" u="none" strike="noStrike" cap="none">
         <a:solidFill>
           <a:srgbClr val="000000"/>
         </a:solidFill>
@@ -148,7 +148,7 @@
         <a:sym typeface="Arial"/>
       </a:defRPr>
     </a:lvl5pPr>
-    <a:lvl6pPr lvl="5" marR="0" rtl="0" algn="l">
+    <a:lvl6pPr marR="0" lvl="5" algn="l" rtl="0">
       <a:lnSpc>
         <a:spcPct val="100000"/>
       </a:lnSpc>
@@ -162,7 +162,7 @@
         <a:srgbClr val="000000"/>
       </a:buClr>
       <a:buFont typeface="Arial"/>
-      <a:defRPr b="0" i="0" sz="1400" u="none" cap="none" strike="noStrike">
+      <a:defRPr sz="1400" b="0" i="0" u="none" strike="noStrike" cap="none">
         <a:solidFill>
           <a:srgbClr val="000000"/>
         </a:solidFill>
@@ -172,7 +172,7 @@
         <a:sym typeface="Arial"/>
       </a:defRPr>
     </a:lvl6pPr>
-    <a:lvl7pPr lvl="6" marR="0" rtl="0" algn="l">
+    <a:lvl7pPr marR="0" lvl="6" algn="l" rtl="0">
       <a:lnSpc>
         <a:spcPct val="100000"/>
       </a:lnSpc>
@@ -186,7 +186,7 @@
         <a:srgbClr val="000000"/>
       </a:buClr>
       <a:buFont typeface="Arial"/>
-      <a:defRPr b="0" i="0" sz="1400" u="none" cap="none" strike="noStrike">
+      <a:defRPr sz="1400" b="0" i="0" u="none" strike="noStrike" cap="none">
         <a:solidFill>
           <a:srgbClr val="000000"/>
         </a:solidFill>
@@ -196,7 +196,7 @@
         <a:sym typeface="Arial"/>
       </a:defRPr>
     </a:lvl7pPr>
-    <a:lvl8pPr lvl="7" marR="0" rtl="0" algn="l">
+    <a:lvl8pPr marR="0" lvl="7" algn="l" rtl="0">
       <a:lnSpc>
         <a:spcPct val="100000"/>
       </a:lnSpc>
@@ -210,7 +210,7 @@
         <a:srgbClr val="000000"/>
       </a:buClr>
       <a:buFont typeface="Arial"/>
-      <a:defRPr b="0" i="0" sz="1400" u="none" cap="none" strike="noStrike">
+      <a:defRPr sz="1400" b="0" i="0" u="none" strike="noStrike" cap="none">
         <a:solidFill>
           <a:srgbClr val="000000"/>
         </a:solidFill>
@@ -220,7 +220,7 @@
         <a:sym typeface="Arial"/>
       </a:defRPr>
     </a:lvl8pPr>
-    <a:lvl9pPr lvl="8" marR="0" rtl="0" algn="l">
+    <a:lvl9pPr marR="0" lvl="8" algn="l" rtl="0">
       <a:lnSpc>
         <a:spcPct val="100000"/>
       </a:lnSpc>
@@ -234,7 +234,7 @@
         <a:srgbClr val="000000"/>
       </a:buClr>
       <a:buFont typeface="Arial"/>
-      <a:defRPr b="0" i="0" sz="1400" u="none" cap="none" strike="noStrike">
+      <a:defRPr sz="1400" b="0" i="0" u="none" strike="noStrike" cap="none">
         <a:solidFill>
           <a:srgbClr val="000000"/>
         </a:solidFill>
@@ -247,7 +247,7 @@
   </p:defaultTextStyle>
   <p:extLst>
     <p:ext uri="{EFAFB233-063F-42B5-8137-9DF3F51BA10A}">
-      <p15:sldGuideLst>
+      <p15:sldGuideLst xmlns:p15="http://schemas.microsoft.com/office/powerpoint/2012/main">
         <p15:guide id="1" orient="horz" pos="1620">
           <p15:clr>
             <a:srgbClr val="747775"/>
@@ -265,11 +265,16 @@
 </file>
 
 <file path=ppt/notesMasters/notesMaster1.xml><?xml version="1.0" encoding="utf-8"?>
-<p:notesMaster xmlns:a="http://schemas.openxmlformats.org/drawingml/2006/main" xmlns:r="http://schemas.openxmlformats.org/officeDocument/2006/relationships" xmlns:mc="http://schemas.openxmlformats.org/markup-compatibility/2006" xmlns:mv="urn:schemas-microsoft-com:mac:vml" xmlns:p="http://schemas.openxmlformats.org/presentationml/2006/main" xmlns:c="http://schemas.openxmlformats.org/drawingml/2006/chart" xmlns:dgm="http://schemas.openxmlformats.org/drawingml/2006/diagram" xmlns:o="urn:schemas-microsoft-com:office:office" xmlns:v="urn:schemas-microsoft-com:vml" xmlns:pvml="urn:schemas-microsoft-com:office:powerpoint" xmlns:com="http://schemas.openxmlformats.org/drawingml/2006/compatibility" xmlns:p14="http://schemas.microsoft.com/office/powerpoint/2010/main" xmlns:p15="http://schemas.microsoft.com/office/powerpoint/2012/main" xmlns:ahyp="http://schemas.microsoft.com/office/drawing/2018/hyperlinkcolor">
+<p:notesMaster xmlns:a="http://schemas.openxmlformats.org/drawingml/2006/main" xmlns:r="http://schemas.openxmlformats.org/officeDocument/2006/relationships" xmlns:p="http://schemas.openxmlformats.org/presentationml/2006/main">
   <p:cSld>
+    <p:bg>
+      <p:bgRef idx="1001">
+        <a:schemeClr val="bg1"/>
+      </p:bgRef>
+    </p:bg>
     <p:spTree>
       <p:nvGrpSpPr>
-        <p:cNvPr id="2" name="Shape 2"/>
+        <p:cNvPr id="1" name="Shape 2"/>
         <p:cNvGrpSpPr/>
         <p:nvPr/>
       </p:nvGrpSpPr>
@@ -284,9 +289,11 @@
       <p:sp>
         <p:nvSpPr>
           <p:cNvPr id="3" name="Google Shape;3;n"/>
-          <p:cNvSpPr/>
+          <p:cNvSpPr>
+            <a:spLocks noGrp="1" noRot="1" noChangeAspect="1"/>
+          </p:cNvSpPr>
           <p:nvPr>
-            <p:ph idx="2" type="sldImg"/>
+            <p:ph type="sldImg" idx="2"/>
           </p:nvPr>
         </p:nvSpPr>
         <p:spPr>
@@ -295,9 +302,13 @@
             <a:ext cx="6096075" cy="3429000"/>
           </a:xfrm>
           <a:custGeom>
-            <a:rect b="b" l="l" r="r" t="t"/>
+            <a:avLst/>
+            <a:gdLst/>
+            <a:ahLst/>
+            <a:cxnLst/>
+            <a:rect l="l" t="t" r="r" b="b"/>
             <a:pathLst>
-              <a:path extrusionOk="0" h="120000" w="120000">
+              <a:path w="120000" h="120000" extrusionOk="0">
                 <a:moveTo>
                   <a:pt x="0" y="0"/>
                 </a:moveTo>
@@ -315,23 +326,25 @@
             </a:pathLst>
           </a:custGeom>
           <a:noFill/>
-          <a:ln cap="flat" cmpd="sng" w="9525">
+          <a:ln w="9525" cap="flat" cmpd="sng">
             <a:solidFill>
               <a:srgbClr val="000000"/>
             </a:solidFill>
             <a:prstDash val="solid"/>
             <a:round/>
-            <a:headEnd len="sm" w="sm" type="none"/>
-            <a:tailEnd len="sm" w="sm" type="none"/>
+            <a:headEnd type="none" w="sm" len="sm"/>
+            <a:tailEnd type="none" w="sm" len="sm"/>
           </a:ln>
         </p:spPr>
       </p:sp>
       <p:sp>
         <p:nvSpPr>
           <p:cNvPr id="4" name="Google Shape;4;n"/>
-          <p:cNvSpPr txBox="1"/>
+          <p:cNvSpPr txBox="1">
+            <a:spLocks noGrp="1"/>
+          </p:cNvSpPr>
           <p:nvPr>
-            <p:ph idx="1" type="body"/>
+            <p:ph type="body" idx="1"/>
           </p:nvPr>
         </p:nvSpPr>
         <p:spPr>
@@ -348,11 +361,11 @@
           </a:ln>
         </p:spPr>
         <p:txBody>
-          <a:bodyPr anchorCtr="0" anchor="t" bIns="91425" lIns="91425" spcFirstLastPara="1" rIns="91425" wrap="square" tIns="91425">
+          <a:bodyPr spcFirstLastPara="1" wrap="square" lIns="91425" tIns="91425" rIns="91425" bIns="91425" anchor="t" anchorCtr="0">
             <a:noAutofit/>
           </a:bodyPr>
           <a:lstStyle>
-            <a:lvl1pPr indent="-298450" lvl="0" marL="457200">
+            <a:lvl1pPr marL="457200" lvl="0" indent="-298450">
               <a:spcBef>
                 <a:spcPts val="0"/>
               </a:spcBef>
@@ -363,7 +376,7 @@
               <a:buChar char="●"/>
               <a:defRPr sz="1100"/>
             </a:lvl1pPr>
-            <a:lvl2pPr indent="-298450" lvl="1" marL="914400">
+            <a:lvl2pPr marL="914400" lvl="1" indent="-298450">
               <a:spcBef>
                 <a:spcPts val="0"/>
               </a:spcBef>
@@ -374,7 +387,7 @@
               <a:buChar char="○"/>
               <a:defRPr sz="1100"/>
             </a:lvl2pPr>
-            <a:lvl3pPr indent="-298450" lvl="2" marL="1371600">
+            <a:lvl3pPr marL="1371600" lvl="2" indent="-298450">
               <a:spcBef>
                 <a:spcPts val="0"/>
               </a:spcBef>
@@ -385,7 +398,7 @@
               <a:buChar char="■"/>
               <a:defRPr sz="1100"/>
             </a:lvl3pPr>
-            <a:lvl4pPr indent="-298450" lvl="3" marL="1828800">
+            <a:lvl4pPr marL="1828800" lvl="3" indent="-298450">
               <a:spcBef>
                 <a:spcPts val="0"/>
               </a:spcBef>
@@ -396,7 +409,7 @@
               <a:buChar char="●"/>
               <a:defRPr sz="1100"/>
             </a:lvl4pPr>
-            <a:lvl5pPr indent="-298450" lvl="4" marL="2286000">
+            <a:lvl5pPr marL="2286000" lvl="4" indent="-298450">
               <a:spcBef>
                 <a:spcPts val="0"/>
               </a:spcBef>
@@ -407,7 +420,7 @@
               <a:buChar char="○"/>
               <a:defRPr sz="1100"/>
             </a:lvl5pPr>
-            <a:lvl6pPr indent="-298450" lvl="5" marL="2743200">
+            <a:lvl6pPr marL="2743200" lvl="5" indent="-298450">
               <a:spcBef>
                 <a:spcPts val="0"/>
               </a:spcBef>
@@ -418,7 +431,7 @@
               <a:buChar char="■"/>
               <a:defRPr sz="1100"/>
             </a:lvl6pPr>
-            <a:lvl7pPr indent="-298450" lvl="6" marL="3200400">
+            <a:lvl7pPr marL="3200400" lvl="6" indent="-298450">
               <a:spcBef>
                 <a:spcPts val="0"/>
               </a:spcBef>
@@ -429,7 +442,7 @@
               <a:buChar char="●"/>
               <a:defRPr sz="1100"/>
             </a:lvl7pPr>
-            <a:lvl8pPr indent="-298450" lvl="7" marL="3657600">
+            <a:lvl8pPr marL="3657600" lvl="7" indent="-298450">
               <a:spcBef>
                 <a:spcPts val="0"/>
               </a:spcBef>
@@ -440,7 +453,7 @@
               <a:buChar char="○"/>
               <a:defRPr sz="1100"/>
             </a:lvl8pPr>
-            <a:lvl9pPr indent="-298450" lvl="8" marL="4114800">
+            <a:lvl9pPr marL="4114800" lvl="8" indent="-298450">
               <a:spcBef>
                 <a:spcPts val="0"/>
               </a:spcBef>
@@ -452,14 +465,21 @@
               <a:defRPr sz="1100"/>
             </a:lvl9pPr>
           </a:lstStyle>
-          <a:p/>
+          <a:p>
+            <a:endParaRPr/>
+          </a:p>
         </p:txBody>
       </p:sp>
     </p:spTree>
+    <p:extLst>
+      <p:ext uri="{BB962C8B-B14F-4D97-AF65-F5344CB8AC3E}">
+        <p14:creationId xmlns:p14="http://schemas.microsoft.com/office/powerpoint/2010/main" val="3342643660"/>
+      </p:ext>
+    </p:extLst>
   </p:cSld>
-  <p:clrMap accent1="accent1" accent2="accent2" accent3="accent3" accent4="accent4" accent5="accent5" accent6="accent6" bg1="lt1" bg2="dk2" tx1="dk1" tx2="lt2" folHlink="folHlink" hlink="hlink"/>
+  <p:clrMap bg1="lt1" tx1="dk1" bg2="dk2" tx2="lt2" accent1="accent1" accent2="accent2" accent3="accent3" accent4="accent4" accent5="accent5" accent6="accent6" hlink="hlink" folHlink="folHlink"/>
   <p:notesStyle>
-    <a:defPPr lvl="0" marR="0" rtl="0" algn="l">
+    <a:defPPr marR="0" lvl="0" algn="l" rtl="0">
       <a:lnSpc>
         <a:spcPct val="100000"/>
       </a:lnSpc>
@@ -470,7 +490,7 @@
         <a:spcPts val="0"/>
       </a:spcAft>
     </a:defPPr>
-    <a:lvl1pPr lvl="0" marR="0" rtl="0" algn="l">
+    <a:lvl1pPr marR="0" lvl="0" algn="l" rtl="0">
       <a:lnSpc>
         <a:spcPct val="100000"/>
       </a:lnSpc>
@@ -484,7 +504,7 @@
         <a:srgbClr val="000000"/>
       </a:buClr>
       <a:buFont typeface="Arial"/>
-      <a:defRPr b="0" i="0" sz="1400" u="none" cap="none" strike="noStrike">
+      <a:defRPr sz="1400" b="0" i="0" u="none" strike="noStrike" cap="none">
         <a:solidFill>
           <a:srgbClr val="000000"/>
         </a:solidFill>
@@ -494,7 +514,7 @@
         <a:sym typeface="Arial"/>
       </a:defRPr>
     </a:lvl1pPr>
-    <a:lvl2pPr lvl="1" marR="0" rtl="0" algn="l">
+    <a:lvl2pPr marR="0" lvl="1" algn="l" rtl="0">
       <a:lnSpc>
         <a:spcPct val="100000"/>
       </a:lnSpc>
@@ -508,7 +528,7 @@
         <a:srgbClr val="000000"/>
       </a:buClr>
       <a:buFont typeface="Arial"/>
-      <a:defRPr b="0" i="0" sz="1400" u="none" cap="none" strike="noStrike">
+      <a:defRPr sz="1400" b="0" i="0" u="none" strike="noStrike" cap="none">
         <a:solidFill>
           <a:srgbClr val="000000"/>
         </a:solidFill>
@@ -518,7 +538,7 @@
         <a:sym typeface="Arial"/>
       </a:defRPr>
     </a:lvl2pPr>
-    <a:lvl3pPr lvl="2" marR="0" rtl="0" algn="l">
+    <a:lvl3pPr marR="0" lvl="2" algn="l" rtl="0">
       <a:lnSpc>
         <a:spcPct val="100000"/>
       </a:lnSpc>
@@ -532,7 +552,7 @@
         <a:srgbClr val="000000"/>
       </a:buClr>
       <a:buFont typeface="Arial"/>
-      <a:defRPr b="0" i="0" sz="1400" u="none" cap="none" strike="noStrike">
+      <a:defRPr sz="1400" b="0" i="0" u="none" strike="noStrike" cap="none">
         <a:solidFill>
           <a:srgbClr val="000000"/>
         </a:solidFill>
@@ -542,7 +562,7 @@
         <a:sym typeface="Arial"/>
       </a:defRPr>
     </a:lvl3pPr>
-    <a:lvl4pPr lvl="3" marR="0" rtl="0" algn="l">
+    <a:lvl4pPr marR="0" lvl="3" algn="l" rtl="0">
       <a:lnSpc>
         <a:spcPct val="100000"/>
       </a:lnSpc>
@@ -556,7 +576,7 @@
         <a:srgbClr val="000000"/>
       </a:buClr>
       <a:buFont typeface="Arial"/>
-      <a:defRPr b="0" i="0" sz="1400" u="none" cap="none" strike="noStrike">
+      <a:defRPr sz="1400" b="0" i="0" u="none" strike="noStrike" cap="none">
         <a:solidFill>
           <a:srgbClr val="000000"/>
         </a:solidFill>
@@ -566,7 +586,7 @@
         <a:sym typeface="Arial"/>
       </a:defRPr>
     </a:lvl4pPr>
-    <a:lvl5pPr lvl="4" marR="0" rtl="0" algn="l">
+    <a:lvl5pPr marR="0" lvl="4" algn="l" rtl="0">
       <a:lnSpc>
         <a:spcPct val="100000"/>
       </a:lnSpc>
@@ -580,7 +600,7 @@
         <a:srgbClr val="000000"/>
       </a:buClr>
       <a:buFont typeface="Arial"/>
-      <a:defRPr b="0" i="0" sz="1400" u="none" cap="none" strike="noStrike">
+      <a:defRPr sz="1400" b="0" i="0" u="none" strike="noStrike" cap="none">
         <a:solidFill>
           <a:srgbClr val="000000"/>
         </a:solidFill>
@@ -590,7 +610,7 @@
         <a:sym typeface="Arial"/>
       </a:defRPr>
     </a:lvl5pPr>
-    <a:lvl6pPr lvl="5" marR="0" rtl="0" algn="l">
+    <a:lvl6pPr marR="0" lvl="5" algn="l" rtl="0">
       <a:lnSpc>
         <a:spcPct val="100000"/>
       </a:lnSpc>
@@ -604,7 +624,7 @@
         <a:srgbClr val="000000"/>
       </a:buClr>
       <a:buFont typeface="Arial"/>
-      <a:defRPr b="0" i="0" sz="1400" u="none" cap="none" strike="noStrike">
+      <a:defRPr sz="1400" b="0" i="0" u="none" strike="noStrike" cap="none">
         <a:solidFill>
           <a:srgbClr val="000000"/>
         </a:solidFill>
@@ -614,7 +634,7 @@
         <a:sym typeface="Arial"/>
       </a:defRPr>
     </a:lvl6pPr>
-    <a:lvl7pPr lvl="6" marR="0" rtl="0" algn="l">
+    <a:lvl7pPr marR="0" lvl="6" algn="l" rtl="0">
       <a:lnSpc>
         <a:spcPct val="100000"/>
       </a:lnSpc>
@@ -628,7 +648,7 @@
         <a:srgbClr val="000000"/>
       </a:buClr>
       <a:buFont typeface="Arial"/>
-      <a:defRPr b="0" i="0" sz="1400" u="none" cap="none" strike="noStrike">
+      <a:defRPr sz="1400" b="0" i="0" u="none" strike="noStrike" cap="none">
         <a:solidFill>
           <a:srgbClr val="000000"/>
         </a:solidFill>
@@ -638,7 +658,7 @@
         <a:sym typeface="Arial"/>
       </a:defRPr>
     </a:lvl7pPr>
-    <a:lvl8pPr lvl="7" marR="0" rtl="0" algn="l">
+    <a:lvl8pPr marR="0" lvl="7" algn="l" rtl="0">
       <a:lnSpc>
         <a:spcPct val="100000"/>
       </a:lnSpc>
@@ -652,7 +672,7 @@
         <a:srgbClr val="000000"/>
       </a:buClr>
       <a:buFont typeface="Arial"/>
-      <a:defRPr b="0" i="0" sz="1400" u="none" cap="none" strike="noStrike">
+      <a:defRPr sz="1400" b="0" i="0" u="none" strike="noStrike" cap="none">
         <a:solidFill>
           <a:srgbClr val="000000"/>
         </a:solidFill>
@@ -662,7 +682,7 @@
         <a:sym typeface="Arial"/>
       </a:defRPr>
     </a:lvl8pPr>
-    <a:lvl9pPr lvl="8" marR="0" rtl="0" algn="l">
+    <a:lvl9pPr marR="0" lvl="8" algn="l" rtl="0">
       <a:lnSpc>
         <a:spcPct val="100000"/>
       </a:lnSpc>
@@ -676,7 +696,7 @@
         <a:srgbClr val="000000"/>
       </a:buClr>
       <a:buFont typeface="Arial"/>
-      <a:defRPr b="0" i="0" sz="1400" u="none" cap="none" strike="noStrike">
+      <a:defRPr sz="1400" b="0" i="0" u="none" strike="noStrike" cap="none">
         <a:solidFill>
           <a:srgbClr val="000000"/>
         </a:solidFill>
@@ -691,11 +711,11 @@
 </file>
 
 <file path=ppt/notesSlides/notesSlide1.xml><?xml version="1.0" encoding="utf-8"?>
-<p:notes xmlns:a="http://schemas.openxmlformats.org/drawingml/2006/main" xmlns:r="http://schemas.openxmlformats.org/officeDocument/2006/relationships" xmlns:mc="http://schemas.openxmlformats.org/markup-compatibility/2006" xmlns:mv="urn:schemas-microsoft-com:mac:vml" xmlns:p="http://schemas.openxmlformats.org/presentationml/2006/main" xmlns:c="http://schemas.openxmlformats.org/drawingml/2006/chart" xmlns:dgm="http://schemas.openxmlformats.org/drawingml/2006/diagram" xmlns:o="urn:schemas-microsoft-com:office:office" xmlns:v="urn:schemas-microsoft-com:vml" xmlns:pvml="urn:schemas-microsoft-com:office:powerpoint" xmlns:com="http://schemas.openxmlformats.org/drawingml/2006/compatibility" xmlns:p14="http://schemas.microsoft.com/office/powerpoint/2010/main" xmlns:p15="http://schemas.microsoft.com/office/powerpoint/2012/main" xmlns:ahyp="http://schemas.microsoft.com/office/drawing/2018/hyperlinkcolor" showMasterPhAnim="0" showMasterSp="0">
+<p:notes xmlns:a="http://schemas.openxmlformats.org/drawingml/2006/main" xmlns:r="http://schemas.openxmlformats.org/officeDocument/2006/relationships" xmlns:p="http://schemas.openxmlformats.org/presentationml/2006/main" showMasterSp="0" showMasterPhAnim="0">
   <p:cSld>
     <p:spTree>
       <p:nvGrpSpPr>
-        <p:cNvPr id="50" name="Shape 50"/>
+        <p:cNvPr id="1" name="Shape 50"/>
         <p:cNvGrpSpPr/>
         <p:nvPr/>
       </p:nvGrpSpPr>
@@ -710,20 +730,26 @@
       <p:sp>
         <p:nvSpPr>
           <p:cNvPr id="51" name="Google Shape;51;p:notes"/>
-          <p:cNvSpPr/>
+          <p:cNvSpPr>
+            <a:spLocks noGrp="1" noRot="1" noChangeAspect="1"/>
+          </p:cNvSpPr>
           <p:nvPr>
-            <p:ph idx="2" type="sldImg"/>
+            <p:ph type="sldImg" idx="2"/>
           </p:nvPr>
         </p:nvSpPr>
         <p:spPr>
           <a:xfrm>
-            <a:off x="381300" y="685800"/>
-            <a:ext cx="6096075" cy="3429000"/>
+            <a:off x="381000" y="685800"/>
+            <a:ext cx="6096000" cy="3429000"/>
           </a:xfrm>
           <a:custGeom>
-            <a:rect b="b" l="l" r="r" t="t"/>
+            <a:avLst/>
+            <a:gdLst/>
+            <a:ahLst/>
+            <a:cxnLst/>
+            <a:rect l="l" t="t" r="r" b="b"/>
             <a:pathLst>
-              <a:path extrusionOk="0" h="120000" w="120000">
+              <a:path w="120000" h="120000" extrusionOk="0">
                 <a:moveTo>
                   <a:pt x="0" y="0"/>
                 </a:moveTo>
@@ -745,9 +771,11 @@
       <p:sp>
         <p:nvSpPr>
           <p:cNvPr id="52" name="Google Shape;52;p:notes"/>
-          <p:cNvSpPr txBox="1"/>
+          <p:cNvSpPr txBox="1">
+            <a:spLocks noGrp="1"/>
+          </p:cNvSpPr>
           <p:nvPr>
-            <p:ph idx="1" type="body"/>
+            <p:ph type="body" idx="1"/>
           </p:nvPr>
         </p:nvSpPr>
         <p:spPr>
@@ -760,12 +788,12 @@
           </a:prstGeom>
         </p:spPr>
         <p:txBody>
-          <a:bodyPr anchorCtr="0" anchor="t" bIns="91425" lIns="91425" spcFirstLastPara="1" rIns="91425" wrap="square" tIns="91425">
+          <a:bodyPr spcFirstLastPara="1" wrap="square" lIns="91425" tIns="91425" rIns="91425" bIns="91425" anchor="t" anchorCtr="0">
             <a:noAutofit/>
           </a:bodyPr>
           <a:lstStyle/>
           <a:p>
-            <a:pPr indent="0" lvl="0" marL="0" rtl="0" algn="l">
+            <a:pPr marL="0" lvl="0" indent="0" algn="l" rtl="0">
               <a:spcBef>
                 <a:spcPts val="0"/>
               </a:spcBef>
@@ -774,14 +802,16 @@
               </a:spcAft>
               <a:buNone/>
             </a:pPr>
-            <a:r>
-              <a:t/>
-            </a:r>
             <a:endParaRPr/>
           </a:p>
         </p:txBody>
       </p:sp>
     </p:spTree>
+    <p:extLst>
+      <p:ext uri="{BB962C8B-B14F-4D97-AF65-F5344CB8AC3E}">
+        <p14:creationId xmlns:p14="http://schemas.microsoft.com/office/powerpoint/2010/main" val="2093797085"/>
+      </p:ext>
+    </p:extLst>
   </p:cSld>
   <p:clrMapOvr>
     <a:masterClrMapping/>
@@ -790,11 +820,11 @@
 </file>
 
 <file path=ppt/notesSlides/notesSlide2.xml><?xml version="1.0" encoding="utf-8"?>
-<p:notes xmlns:a="http://schemas.openxmlformats.org/drawingml/2006/main" xmlns:r="http://schemas.openxmlformats.org/officeDocument/2006/relationships" xmlns:mc="http://schemas.openxmlformats.org/markup-compatibility/2006" xmlns:mv="urn:schemas-microsoft-com:mac:vml" xmlns:p="http://schemas.openxmlformats.org/presentationml/2006/main" xmlns:c="http://schemas.openxmlformats.org/drawingml/2006/chart" xmlns:dgm="http://schemas.openxmlformats.org/drawingml/2006/diagram" xmlns:o="urn:schemas-microsoft-com:office:office" xmlns:v="urn:schemas-microsoft-com:vml" xmlns:pvml="urn:schemas-microsoft-com:office:powerpoint" xmlns:com="http://schemas.openxmlformats.org/drawingml/2006/compatibility" xmlns:p14="http://schemas.microsoft.com/office/powerpoint/2010/main" xmlns:p15="http://schemas.microsoft.com/office/powerpoint/2012/main" xmlns:ahyp="http://schemas.microsoft.com/office/drawing/2018/hyperlinkcolor" showMasterPhAnim="0" showMasterSp="0">
+<p:notes xmlns:a="http://schemas.openxmlformats.org/drawingml/2006/main" xmlns:r="http://schemas.openxmlformats.org/officeDocument/2006/relationships" xmlns:p="http://schemas.openxmlformats.org/presentationml/2006/main" showMasterSp="0" showMasterPhAnim="0">
   <p:cSld>
     <p:spTree>
       <p:nvGrpSpPr>
-        <p:cNvPr id="56" name="Shape 56"/>
+        <p:cNvPr id="1" name="Shape 56"/>
         <p:cNvGrpSpPr/>
         <p:nvPr/>
       </p:nvGrpSpPr>
@@ -809,20 +839,26 @@
       <p:sp>
         <p:nvSpPr>
           <p:cNvPr id="57" name="Google Shape;57;g20a671a55ea_0_0:notes"/>
-          <p:cNvSpPr/>
+          <p:cNvSpPr>
+            <a:spLocks noGrp="1" noRot="1" noChangeAspect="1"/>
+          </p:cNvSpPr>
           <p:nvPr>
-            <p:ph idx="2" type="sldImg"/>
+            <p:ph type="sldImg" idx="2"/>
           </p:nvPr>
         </p:nvSpPr>
         <p:spPr>
           <a:xfrm>
-            <a:off x="381300" y="685800"/>
+            <a:off x="381000" y="685800"/>
             <a:ext cx="6096000" cy="3429000"/>
           </a:xfrm>
           <a:custGeom>
-            <a:rect b="b" l="l" r="r" t="t"/>
+            <a:avLst/>
+            <a:gdLst/>
+            <a:ahLst/>
+            <a:cxnLst/>
+            <a:rect l="l" t="t" r="r" b="b"/>
             <a:pathLst>
-              <a:path extrusionOk="0" h="120000" w="120000">
+              <a:path w="120000" h="120000" extrusionOk="0">
                 <a:moveTo>
                   <a:pt x="0" y="0"/>
                 </a:moveTo>
@@ -844,9 +880,11 @@
       <p:sp>
         <p:nvSpPr>
           <p:cNvPr id="58" name="Google Shape;58;g20a671a55ea_0_0:notes"/>
-          <p:cNvSpPr txBox="1"/>
+          <p:cNvSpPr txBox="1">
+            <a:spLocks noGrp="1"/>
+          </p:cNvSpPr>
           <p:nvPr>
-            <p:ph idx="1" type="body"/>
+            <p:ph type="body" idx="1"/>
           </p:nvPr>
         </p:nvSpPr>
         <p:spPr>
@@ -859,12 +897,12 @@
           </a:prstGeom>
         </p:spPr>
         <p:txBody>
-          <a:bodyPr anchorCtr="0" anchor="t" bIns="91425" lIns="91425" spcFirstLastPara="1" rIns="91425" wrap="square" tIns="91425">
+          <a:bodyPr spcFirstLastPara="1" wrap="square" lIns="91425" tIns="91425" rIns="91425" bIns="91425" anchor="t" anchorCtr="0">
             <a:noAutofit/>
           </a:bodyPr>
           <a:lstStyle/>
           <a:p>
-            <a:pPr indent="0" lvl="0" marL="0" rtl="0" algn="l">
+            <a:pPr marL="0" lvl="0" indent="0" algn="l" rtl="0">
               <a:spcBef>
                 <a:spcPts val="0"/>
               </a:spcBef>
@@ -873,14 +911,16 @@
               </a:spcAft>
               <a:buNone/>
             </a:pPr>
-            <a:r>
-              <a:t/>
-            </a:r>
             <a:endParaRPr/>
           </a:p>
         </p:txBody>
       </p:sp>
     </p:spTree>
+    <p:extLst>
+      <p:ext uri="{BB962C8B-B14F-4D97-AF65-F5344CB8AC3E}">
+        <p14:creationId xmlns:p14="http://schemas.microsoft.com/office/powerpoint/2010/main" val="1990339152"/>
+      </p:ext>
+    </p:extLst>
   </p:cSld>
   <p:clrMapOvr>
     <a:masterClrMapping/>
@@ -889,11 +929,11 @@
 </file>
 
 <file path=ppt/notesSlides/notesSlide3.xml><?xml version="1.0" encoding="utf-8"?>
-<p:notes xmlns:a="http://schemas.openxmlformats.org/drawingml/2006/main" xmlns:r="http://schemas.openxmlformats.org/officeDocument/2006/relationships" xmlns:mc="http://schemas.openxmlformats.org/markup-compatibility/2006" xmlns:mv="urn:schemas-microsoft-com:mac:vml" xmlns:p="http://schemas.openxmlformats.org/presentationml/2006/main" xmlns:c="http://schemas.openxmlformats.org/drawingml/2006/chart" xmlns:dgm="http://schemas.openxmlformats.org/drawingml/2006/diagram" xmlns:o="urn:schemas-microsoft-com:office:office" xmlns:v="urn:schemas-microsoft-com:vml" xmlns:pvml="urn:schemas-microsoft-com:office:powerpoint" xmlns:com="http://schemas.openxmlformats.org/drawingml/2006/compatibility" xmlns:p14="http://schemas.microsoft.com/office/powerpoint/2010/main" xmlns:p15="http://schemas.microsoft.com/office/powerpoint/2012/main" xmlns:ahyp="http://schemas.microsoft.com/office/drawing/2018/hyperlinkcolor" showMasterPhAnim="0" showMasterSp="0">
+<p:notes xmlns:a="http://schemas.openxmlformats.org/drawingml/2006/main" xmlns:r="http://schemas.openxmlformats.org/officeDocument/2006/relationships" xmlns:p="http://schemas.openxmlformats.org/presentationml/2006/main" showMasterSp="0" showMasterPhAnim="0">
   <p:cSld>
     <p:spTree>
       <p:nvGrpSpPr>
-        <p:cNvPr id="62" name="Shape 62"/>
+        <p:cNvPr id="1" name="Shape 62"/>
         <p:cNvGrpSpPr/>
         <p:nvPr/>
       </p:nvGrpSpPr>
@@ -908,20 +948,26 @@
       <p:sp>
         <p:nvSpPr>
           <p:cNvPr id="63" name="Google Shape;63;g252c537831f_0_0:notes"/>
-          <p:cNvSpPr/>
+          <p:cNvSpPr>
+            <a:spLocks noGrp="1" noRot="1" noChangeAspect="1"/>
+          </p:cNvSpPr>
           <p:nvPr>
-            <p:ph idx="2" type="sldImg"/>
+            <p:ph type="sldImg" idx="2"/>
           </p:nvPr>
         </p:nvSpPr>
         <p:spPr>
           <a:xfrm>
-            <a:off x="381300" y="685800"/>
+            <a:off x="381000" y="685800"/>
             <a:ext cx="6096000" cy="3429000"/>
           </a:xfrm>
           <a:custGeom>
-            <a:rect b="b" l="l" r="r" t="t"/>
+            <a:avLst/>
+            <a:gdLst/>
+            <a:ahLst/>
+            <a:cxnLst/>
+            <a:rect l="l" t="t" r="r" b="b"/>
             <a:pathLst>
-              <a:path extrusionOk="0" h="120000" w="120000">
+              <a:path w="120000" h="120000" extrusionOk="0">
                 <a:moveTo>
                   <a:pt x="0" y="0"/>
                 </a:moveTo>
@@ -943,9 +989,11 @@
       <p:sp>
         <p:nvSpPr>
           <p:cNvPr id="64" name="Google Shape;64;g252c537831f_0_0:notes"/>
-          <p:cNvSpPr txBox="1"/>
+          <p:cNvSpPr txBox="1">
+            <a:spLocks noGrp="1"/>
+          </p:cNvSpPr>
           <p:nvPr>
-            <p:ph idx="1" type="body"/>
+            <p:ph type="body" idx="1"/>
           </p:nvPr>
         </p:nvSpPr>
         <p:spPr>
@@ -958,12 +1006,12 @@
           </a:prstGeom>
         </p:spPr>
         <p:txBody>
-          <a:bodyPr anchorCtr="0" anchor="t" bIns="91425" lIns="91425" spcFirstLastPara="1" rIns="91425" wrap="square" tIns="91425">
+          <a:bodyPr spcFirstLastPara="1" wrap="square" lIns="91425" tIns="91425" rIns="91425" bIns="91425" anchor="t" anchorCtr="0">
             <a:noAutofit/>
           </a:bodyPr>
           <a:lstStyle/>
           <a:p>
-            <a:pPr indent="0" lvl="0" marL="0" rtl="0" algn="l">
+            <a:pPr marL="0" lvl="0" indent="0" algn="l" rtl="0">
               <a:spcBef>
                 <a:spcPts val="0"/>
               </a:spcBef>
@@ -972,14 +1020,16 @@
               </a:spcAft>
               <a:buNone/>
             </a:pPr>
-            <a:r>
-              <a:t/>
-            </a:r>
             <a:endParaRPr/>
           </a:p>
         </p:txBody>
       </p:sp>
     </p:spTree>
+    <p:extLst>
+      <p:ext uri="{BB962C8B-B14F-4D97-AF65-F5344CB8AC3E}">
+        <p14:creationId xmlns:p14="http://schemas.microsoft.com/office/powerpoint/2010/main" val="2145524246"/>
+      </p:ext>
+    </p:extLst>
   </p:cSld>
   <p:clrMapOvr>
     <a:masterClrMapping/>
@@ -988,11 +1038,11 @@
 </file>
 
 <file path=ppt/notesSlides/notesSlide4.xml><?xml version="1.0" encoding="utf-8"?>
-<p:notes xmlns:a="http://schemas.openxmlformats.org/drawingml/2006/main" xmlns:r="http://schemas.openxmlformats.org/officeDocument/2006/relationships" xmlns:mc="http://schemas.openxmlformats.org/markup-compatibility/2006" xmlns:mv="urn:schemas-microsoft-com:mac:vml" xmlns:p="http://schemas.openxmlformats.org/presentationml/2006/main" xmlns:c="http://schemas.openxmlformats.org/drawingml/2006/chart" xmlns:dgm="http://schemas.openxmlformats.org/drawingml/2006/diagram" xmlns:o="urn:schemas-microsoft-com:office:office" xmlns:v="urn:schemas-microsoft-com:vml" xmlns:pvml="urn:schemas-microsoft-com:office:powerpoint" xmlns:com="http://schemas.openxmlformats.org/drawingml/2006/compatibility" xmlns:p14="http://schemas.microsoft.com/office/powerpoint/2010/main" xmlns:p15="http://schemas.microsoft.com/office/powerpoint/2012/main" xmlns:ahyp="http://schemas.microsoft.com/office/drawing/2018/hyperlinkcolor" showMasterPhAnim="0" showMasterSp="0">
+<p:notes xmlns:a="http://schemas.openxmlformats.org/drawingml/2006/main" xmlns:r="http://schemas.openxmlformats.org/officeDocument/2006/relationships" xmlns:p="http://schemas.openxmlformats.org/presentationml/2006/main" showMasterSp="0" showMasterPhAnim="0">
   <p:cSld>
     <p:spTree>
       <p:nvGrpSpPr>
-        <p:cNvPr id="68" name="Shape 68"/>
+        <p:cNvPr id="1" name="Shape 68"/>
         <p:cNvGrpSpPr/>
         <p:nvPr/>
       </p:nvGrpSpPr>
@@ -1007,20 +1057,26 @@
       <p:sp>
         <p:nvSpPr>
           <p:cNvPr id="69" name="Google Shape;69;g20a671a55ea_0_11:notes"/>
-          <p:cNvSpPr/>
+          <p:cNvSpPr>
+            <a:spLocks noGrp="1" noRot="1" noChangeAspect="1"/>
+          </p:cNvSpPr>
           <p:nvPr>
-            <p:ph idx="2" type="sldImg"/>
+            <p:ph type="sldImg" idx="2"/>
           </p:nvPr>
         </p:nvSpPr>
         <p:spPr>
           <a:xfrm>
-            <a:off x="381300" y="685800"/>
+            <a:off x="381000" y="685800"/>
             <a:ext cx="6096000" cy="3429000"/>
           </a:xfrm>
           <a:custGeom>
-            <a:rect b="b" l="l" r="r" t="t"/>
+            <a:avLst/>
+            <a:gdLst/>
+            <a:ahLst/>
+            <a:cxnLst/>
+            <a:rect l="l" t="t" r="r" b="b"/>
             <a:pathLst>
-              <a:path extrusionOk="0" h="120000" w="120000">
+              <a:path w="120000" h="120000" extrusionOk="0">
                 <a:moveTo>
                   <a:pt x="0" y="0"/>
                 </a:moveTo>
@@ -1042,9 +1098,11 @@
       <p:sp>
         <p:nvSpPr>
           <p:cNvPr id="70" name="Google Shape;70;g20a671a55ea_0_11:notes"/>
-          <p:cNvSpPr txBox="1"/>
+          <p:cNvSpPr txBox="1">
+            <a:spLocks noGrp="1"/>
+          </p:cNvSpPr>
           <p:nvPr>
-            <p:ph idx="1" type="body"/>
+            <p:ph type="body" idx="1"/>
           </p:nvPr>
         </p:nvSpPr>
         <p:spPr>
@@ -1057,12 +1115,12 @@
           </a:prstGeom>
         </p:spPr>
         <p:txBody>
-          <a:bodyPr anchorCtr="0" anchor="t" bIns="91425" lIns="91425" spcFirstLastPara="1" rIns="91425" wrap="square" tIns="91425">
+          <a:bodyPr spcFirstLastPara="1" wrap="square" lIns="91425" tIns="91425" rIns="91425" bIns="91425" anchor="t" anchorCtr="0">
             <a:noAutofit/>
           </a:bodyPr>
           <a:lstStyle/>
           <a:p>
-            <a:pPr indent="0" lvl="0" marL="0" rtl="0" algn="l">
+            <a:pPr marL="0" lvl="0" indent="0" algn="l" rtl="0">
               <a:spcBef>
                 <a:spcPts val="0"/>
               </a:spcBef>
@@ -1071,14 +1129,16 @@
               </a:spcAft>
               <a:buNone/>
             </a:pPr>
-            <a:r>
-              <a:t/>
-            </a:r>
             <a:endParaRPr/>
           </a:p>
         </p:txBody>
       </p:sp>
     </p:spTree>
+    <p:extLst>
+      <p:ext uri="{BB962C8B-B14F-4D97-AF65-F5344CB8AC3E}">
+        <p14:creationId xmlns:p14="http://schemas.microsoft.com/office/powerpoint/2010/main" val="2040504243"/>
+      </p:ext>
+    </p:extLst>
   </p:cSld>
   <p:clrMapOvr>
     <a:masterClrMapping/>
@@ -1087,11 +1147,11 @@
 </file>
 
 <file path=ppt/notesSlides/notesSlide5.xml><?xml version="1.0" encoding="utf-8"?>
-<p:notes xmlns:a="http://schemas.openxmlformats.org/drawingml/2006/main" xmlns:r="http://schemas.openxmlformats.org/officeDocument/2006/relationships" xmlns:mc="http://schemas.openxmlformats.org/markup-compatibility/2006" xmlns:mv="urn:schemas-microsoft-com:mac:vml" xmlns:p="http://schemas.openxmlformats.org/presentationml/2006/main" xmlns:c="http://schemas.openxmlformats.org/drawingml/2006/chart" xmlns:dgm="http://schemas.openxmlformats.org/drawingml/2006/diagram" xmlns:o="urn:schemas-microsoft-com:office:office" xmlns:v="urn:schemas-microsoft-com:vml" xmlns:pvml="urn:schemas-microsoft-com:office:powerpoint" xmlns:com="http://schemas.openxmlformats.org/drawingml/2006/compatibility" xmlns:p14="http://schemas.microsoft.com/office/powerpoint/2010/main" xmlns:p15="http://schemas.microsoft.com/office/powerpoint/2012/main" xmlns:ahyp="http://schemas.microsoft.com/office/drawing/2018/hyperlinkcolor" showMasterPhAnim="0" showMasterSp="0">
+<p:notes xmlns:a="http://schemas.openxmlformats.org/drawingml/2006/main" xmlns:r="http://schemas.openxmlformats.org/officeDocument/2006/relationships" xmlns:p="http://schemas.openxmlformats.org/presentationml/2006/main" showMasterSp="0" showMasterPhAnim="0">
   <p:cSld>
     <p:spTree>
       <p:nvGrpSpPr>
-        <p:cNvPr id="74" name="Shape 74"/>
+        <p:cNvPr id="1" name="Shape 74"/>
         <p:cNvGrpSpPr/>
         <p:nvPr/>
       </p:nvGrpSpPr>
@@ -1106,20 +1166,26 @@
       <p:sp>
         <p:nvSpPr>
           <p:cNvPr id="75" name="Google Shape;75;g20a671a55ea_0_6:notes"/>
-          <p:cNvSpPr/>
+          <p:cNvSpPr>
+            <a:spLocks noGrp="1" noRot="1" noChangeAspect="1"/>
+          </p:cNvSpPr>
           <p:nvPr>
-            <p:ph idx="2" type="sldImg"/>
+            <p:ph type="sldImg" idx="2"/>
           </p:nvPr>
         </p:nvSpPr>
         <p:spPr>
           <a:xfrm>
-            <a:off x="381300" y="685800"/>
+            <a:off x="381000" y="685800"/>
             <a:ext cx="6096000" cy="3429000"/>
           </a:xfrm>
           <a:custGeom>
-            <a:rect b="b" l="l" r="r" t="t"/>
+            <a:avLst/>
+            <a:gdLst/>
+            <a:ahLst/>
+            <a:cxnLst/>
+            <a:rect l="l" t="t" r="r" b="b"/>
             <a:pathLst>
-              <a:path extrusionOk="0" h="120000" w="120000">
+              <a:path w="120000" h="120000" extrusionOk="0">
                 <a:moveTo>
                   <a:pt x="0" y="0"/>
                 </a:moveTo>
@@ -1141,9 +1207,11 @@
       <p:sp>
         <p:nvSpPr>
           <p:cNvPr id="76" name="Google Shape;76;g20a671a55ea_0_6:notes"/>
-          <p:cNvSpPr txBox="1"/>
+          <p:cNvSpPr txBox="1">
+            <a:spLocks noGrp="1"/>
+          </p:cNvSpPr>
           <p:nvPr>
-            <p:ph idx="1" type="body"/>
+            <p:ph type="body" idx="1"/>
           </p:nvPr>
         </p:nvSpPr>
         <p:spPr>
@@ -1156,12 +1224,12 @@
           </a:prstGeom>
         </p:spPr>
         <p:txBody>
-          <a:bodyPr anchorCtr="0" anchor="t" bIns="91425" lIns="91425" spcFirstLastPara="1" rIns="91425" wrap="square" tIns="91425">
+          <a:bodyPr spcFirstLastPara="1" wrap="square" lIns="91425" tIns="91425" rIns="91425" bIns="91425" anchor="t" anchorCtr="0">
             <a:noAutofit/>
           </a:bodyPr>
           <a:lstStyle/>
           <a:p>
-            <a:pPr indent="0" lvl="0" marL="0" rtl="0" algn="l">
+            <a:pPr marL="0" lvl="0" indent="0" algn="l" rtl="0">
               <a:spcBef>
                 <a:spcPts val="0"/>
               </a:spcBef>
@@ -1170,14 +1238,16 @@
               </a:spcAft>
               <a:buNone/>
             </a:pPr>
-            <a:r>
-              <a:t/>
-            </a:r>
             <a:endParaRPr/>
           </a:p>
         </p:txBody>
       </p:sp>
     </p:spTree>
+    <p:extLst>
+      <p:ext uri="{BB962C8B-B14F-4D97-AF65-F5344CB8AC3E}">
+        <p14:creationId xmlns:p14="http://schemas.microsoft.com/office/powerpoint/2010/main" val="2269445375"/>
+      </p:ext>
+    </p:extLst>
   </p:cSld>
   <p:clrMapOvr>
     <a:masterClrMapping/>
@@ -1186,11 +1256,11 @@
 </file>
 
 <file path=ppt/slideLayouts/slideLayout1.xml><?xml version="1.0" encoding="utf-8"?>
-<p:sldLayout xmlns:a="http://schemas.openxmlformats.org/drawingml/2006/main" xmlns:r="http://schemas.openxmlformats.org/officeDocument/2006/relationships" xmlns:mc="http://schemas.openxmlformats.org/markup-compatibility/2006" xmlns:mv="urn:schemas-microsoft-com:mac:vml" xmlns:p="http://schemas.openxmlformats.org/presentationml/2006/main" xmlns:c="http://schemas.openxmlformats.org/drawingml/2006/chart" xmlns:dgm="http://schemas.openxmlformats.org/drawingml/2006/diagram" xmlns:o="urn:schemas-microsoft-com:office:office" xmlns:v="urn:schemas-microsoft-com:vml" xmlns:pvml="urn:schemas-microsoft-com:office:powerpoint" xmlns:com="http://schemas.openxmlformats.org/drawingml/2006/compatibility" xmlns:p14="http://schemas.microsoft.com/office/powerpoint/2010/main" xmlns:p15="http://schemas.microsoft.com/office/powerpoint/2012/main" xmlns:ahyp="http://schemas.microsoft.com/office/drawing/2018/hyperlinkcolor" matchingName="Title slide" type="title">
+<p:sldLayout xmlns:a="http://schemas.openxmlformats.org/drawingml/2006/main" xmlns:r="http://schemas.openxmlformats.org/officeDocument/2006/relationships" xmlns:p="http://schemas.openxmlformats.org/presentationml/2006/main" matchingName="Title slide" type="title">
   <p:cSld name="TITLE">
     <p:spTree>
       <p:nvGrpSpPr>
-        <p:cNvPr id="9" name="Shape 9"/>
+        <p:cNvPr id="1" name="Shape 9"/>
         <p:cNvGrpSpPr/>
         <p:nvPr/>
       </p:nvGrpSpPr>
@@ -1205,7 +1275,9 @@
       <p:sp>
         <p:nvSpPr>
           <p:cNvPr id="10" name="Google Shape;10;p2"/>
-          <p:cNvSpPr txBox="1"/>
+          <p:cNvSpPr txBox="1">
+            <a:spLocks noGrp="1"/>
+          </p:cNvSpPr>
           <p:nvPr>
             <p:ph type="ctrTitle"/>
           </p:nvPr>
@@ -1220,7 +1292,7 @@
           </a:prstGeom>
         </p:spPr>
         <p:txBody>
-          <a:bodyPr anchorCtr="0" anchor="b" bIns="91425" lIns="91425" spcFirstLastPara="1" rIns="91425" wrap="square" tIns="91425">
+          <a:bodyPr spcFirstLastPara="1" wrap="square" lIns="91425" tIns="91425" rIns="91425" bIns="91425" anchor="b" anchorCtr="0">
             <a:normAutofit/>
           </a:bodyPr>
           <a:lstStyle>
@@ -1324,15 +1396,19 @@
               <a:defRPr sz="5200"/>
             </a:lvl9pPr>
           </a:lstStyle>
-          <a:p/>
+          <a:p>
+            <a:endParaRPr/>
+          </a:p>
         </p:txBody>
       </p:sp>
       <p:sp>
         <p:nvSpPr>
           <p:cNvPr id="11" name="Google Shape;11;p2"/>
-          <p:cNvSpPr txBox="1"/>
+          <p:cNvSpPr txBox="1">
+            <a:spLocks noGrp="1"/>
+          </p:cNvSpPr>
           <p:nvPr>
-            <p:ph idx="1" type="subTitle"/>
+            <p:ph type="subTitle" idx="1"/>
           </p:nvPr>
         </p:nvSpPr>
         <p:spPr>
@@ -1345,7 +1421,7 @@
           </a:prstGeom>
         </p:spPr>
         <p:txBody>
-          <a:bodyPr anchorCtr="0" anchor="t" bIns="91425" lIns="91425" spcFirstLastPara="1" rIns="91425" wrap="square" tIns="91425">
+          <a:bodyPr spcFirstLastPara="1" wrap="square" lIns="91425" tIns="91425" rIns="91425" bIns="91425" anchor="t" anchorCtr="0">
             <a:normAutofit/>
           </a:bodyPr>
           <a:lstStyle>
@@ -1476,15 +1552,19 @@
               <a:defRPr sz="2800"/>
             </a:lvl9pPr>
           </a:lstStyle>
-          <a:p/>
+          <a:p>
+            <a:endParaRPr/>
+          </a:p>
         </p:txBody>
       </p:sp>
       <p:sp>
         <p:nvSpPr>
           <p:cNvPr id="12" name="Google Shape;12;p2"/>
-          <p:cNvSpPr txBox="1"/>
+          <p:cNvSpPr txBox="1">
+            <a:spLocks noGrp="1"/>
+          </p:cNvSpPr>
           <p:nvPr>
-            <p:ph idx="12" type="sldNum"/>
+            <p:ph type="sldNum" idx="12"/>
           </p:nvPr>
         </p:nvSpPr>
         <p:spPr>
@@ -1497,7 +1577,7 @@
           </a:prstGeom>
         </p:spPr>
         <p:txBody>
-          <a:bodyPr anchorCtr="0" anchor="ctr" bIns="91425" lIns="91425" spcFirstLastPara="1" rIns="91425" wrap="square" tIns="91425">
+          <a:bodyPr spcFirstLastPara="1" wrap="square" lIns="91425" tIns="91425" rIns="91425" bIns="91425" anchor="ctr" anchorCtr="0">
             <a:normAutofit/>
           </a:bodyPr>
           <a:lstStyle>
@@ -1539,7 +1619,7 @@
             </a:lvl9pPr>
           </a:lstStyle>
           <a:p>
-            <a:pPr indent="0" lvl="0" marL="0" rtl="0" algn="r">
+            <a:pPr marL="0" lvl="0" indent="0" algn="r" rtl="0">
               <a:spcBef>
                 <a:spcPts val="0"/>
               </a:spcBef>
@@ -1550,7 +1630,7 @@
             </a:pPr>
             <a:fld id="{00000000-1234-1234-1234-123412341234}" type="slidenum">
               <a:rPr lang="es-419"/>
-              <a:t>‹#›</a:t>
+              <a:t>‹Nº›</a:t>
             </a:fld>
             <a:endParaRPr/>
           </a:p>
@@ -1565,11 +1645,11 @@
 </file>
 
 <file path=ppt/slideLayouts/slideLayout10.xml><?xml version="1.0" encoding="utf-8"?>
-<p:sldLayout xmlns:a="http://schemas.openxmlformats.org/drawingml/2006/main" xmlns:r="http://schemas.openxmlformats.org/officeDocument/2006/relationships" xmlns:mc="http://schemas.openxmlformats.org/markup-compatibility/2006" xmlns:mv="urn:schemas-microsoft-com:mac:vml" xmlns:p="http://schemas.openxmlformats.org/presentationml/2006/main" xmlns:c="http://schemas.openxmlformats.org/drawingml/2006/chart" xmlns:dgm="http://schemas.openxmlformats.org/drawingml/2006/diagram" xmlns:o="urn:schemas-microsoft-com:office:office" xmlns:v="urn:schemas-microsoft-com:vml" xmlns:pvml="urn:schemas-microsoft-com:office:powerpoint" xmlns:com="http://schemas.openxmlformats.org/drawingml/2006/compatibility" xmlns:p14="http://schemas.microsoft.com/office/powerpoint/2010/main" xmlns:p15="http://schemas.microsoft.com/office/powerpoint/2012/main" xmlns:ahyp="http://schemas.microsoft.com/office/drawing/2018/hyperlinkcolor" matchingName="Big number">
+<p:sldLayout xmlns:a="http://schemas.openxmlformats.org/drawingml/2006/main" xmlns:r="http://schemas.openxmlformats.org/officeDocument/2006/relationships" xmlns:p="http://schemas.openxmlformats.org/presentationml/2006/main" matchingName="Big number">
   <p:cSld name="BIG_NUMBER">
     <p:spTree>
       <p:nvGrpSpPr>
-        <p:cNvPr id="44" name="Shape 44"/>
+        <p:cNvPr id="1" name="Shape 44"/>
         <p:cNvGrpSpPr/>
         <p:nvPr/>
       </p:nvGrpSpPr>
@@ -1584,9 +1664,11 @@
       <p:sp>
         <p:nvSpPr>
           <p:cNvPr id="45" name="Google Shape;45;p11"/>
-          <p:cNvSpPr txBox="1"/>
+          <p:cNvSpPr txBox="1">
+            <a:spLocks noGrp="1"/>
+          </p:cNvSpPr>
           <p:nvPr>
-            <p:ph hasCustomPrompt="1" type="title"/>
+            <p:ph type="title" hasCustomPrompt="1"/>
           </p:nvPr>
         </p:nvSpPr>
         <p:spPr>
@@ -1599,7 +1681,7 @@
           </a:prstGeom>
         </p:spPr>
         <p:txBody>
-          <a:bodyPr anchorCtr="0" anchor="b" bIns="91425" lIns="91425" spcFirstLastPara="1" rIns="91425" wrap="square" tIns="91425">
+          <a:bodyPr spcFirstLastPara="1" wrap="square" lIns="91425" tIns="91425" rIns="91425" bIns="91425" anchor="b" anchorCtr="0">
             <a:normAutofit/>
           </a:bodyPr>
           <a:lstStyle>
@@ -1713,9 +1795,11 @@
       <p:sp>
         <p:nvSpPr>
           <p:cNvPr id="46" name="Google Shape;46;p11"/>
-          <p:cNvSpPr txBox="1"/>
+          <p:cNvSpPr txBox="1">
+            <a:spLocks noGrp="1"/>
+          </p:cNvSpPr>
           <p:nvPr>
-            <p:ph idx="1" type="body"/>
+            <p:ph type="body" idx="1"/>
           </p:nvPr>
         </p:nvSpPr>
         <p:spPr>
@@ -1728,11 +1812,11 @@
           </a:prstGeom>
         </p:spPr>
         <p:txBody>
-          <a:bodyPr anchorCtr="0" anchor="t" bIns="91425" lIns="91425" spcFirstLastPara="1" rIns="91425" wrap="square" tIns="91425">
+          <a:bodyPr spcFirstLastPara="1" wrap="square" lIns="91425" tIns="91425" rIns="91425" bIns="91425" anchor="t" anchorCtr="0">
             <a:normAutofit/>
           </a:bodyPr>
           <a:lstStyle>
-            <a:lvl1pPr indent="-342900" lvl="0" marL="457200" algn="ctr">
+            <a:lvl1pPr marL="457200" lvl="0" indent="-342900" algn="ctr">
               <a:spcBef>
                 <a:spcPts val="0"/>
               </a:spcBef>
@@ -1743,7 +1827,7 @@
               <a:buChar char="●"/>
               <a:defRPr/>
             </a:lvl1pPr>
-            <a:lvl2pPr indent="-317500" lvl="1" marL="914400" algn="ctr">
+            <a:lvl2pPr marL="914400" lvl="1" indent="-317500" algn="ctr">
               <a:spcBef>
                 <a:spcPts val="0"/>
               </a:spcBef>
@@ -1754,7 +1838,7 @@
               <a:buChar char="○"/>
               <a:defRPr/>
             </a:lvl2pPr>
-            <a:lvl3pPr indent="-317500" lvl="2" marL="1371600" algn="ctr">
+            <a:lvl3pPr marL="1371600" lvl="2" indent="-317500" algn="ctr">
               <a:spcBef>
                 <a:spcPts val="0"/>
               </a:spcBef>
@@ -1765,7 +1849,7 @@
               <a:buChar char="■"/>
               <a:defRPr/>
             </a:lvl3pPr>
-            <a:lvl4pPr indent="-317500" lvl="3" marL="1828800" algn="ctr">
+            <a:lvl4pPr marL="1828800" lvl="3" indent="-317500" algn="ctr">
               <a:spcBef>
                 <a:spcPts val="0"/>
               </a:spcBef>
@@ -1776,7 +1860,7 @@
               <a:buChar char="●"/>
               <a:defRPr/>
             </a:lvl4pPr>
-            <a:lvl5pPr indent="-317500" lvl="4" marL="2286000" algn="ctr">
+            <a:lvl5pPr marL="2286000" lvl="4" indent="-317500" algn="ctr">
               <a:spcBef>
                 <a:spcPts val="0"/>
               </a:spcBef>
@@ -1787,7 +1871,7 @@
               <a:buChar char="○"/>
               <a:defRPr/>
             </a:lvl5pPr>
-            <a:lvl6pPr indent="-317500" lvl="5" marL="2743200" algn="ctr">
+            <a:lvl6pPr marL="2743200" lvl="5" indent="-317500" algn="ctr">
               <a:spcBef>
                 <a:spcPts val="0"/>
               </a:spcBef>
@@ -1798,7 +1882,7 @@
               <a:buChar char="■"/>
               <a:defRPr/>
             </a:lvl6pPr>
-            <a:lvl7pPr indent="-317500" lvl="6" marL="3200400" algn="ctr">
+            <a:lvl7pPr marL="3200400" lvl="6" indent="-317500" algn="ctr">
               <a:spcBef>
                 <a:spcPts val="0"/>
               </a:spcBef>
@@ -1809,7 +1893,7 @@
               <a:buChar char="●"/>
               <a:defRPr/>
             </a:lvl7pPr>
-            <a:lvl8pPr indent="-317500" lvl="7" marL="3657600" algn="ctr">
+            <a:lvl8pPr marL="3657600" lvl="7" indent="-317500" algn="ctr">
               <a:spcBef>
                 <a:spcPts val="0"/>
               </a:spcBef>
@@ -1820,7 +1904,7 @@
               <a:buChar char="○"/>
               <a:defRPr/>
             </a:lvl8pPr>
-            <a:lvl9pPr indent="-317500" lvl="8" marL="4114800" algn="ctr">
+            <a:lvl9pPr marL="4114800" lvl="8" indent="-317500" algn="ctr">
               <a:spcBef>
                 <a:spcPts val="0"/>
               </a:spcBef>
@@ -1832,15 +1916,19 @@
               <a:defRPr/>
             </a:lvl9pPr>
           </a:lstStyle>
-          <a:p/>
+          <a:p>
+            <a:endParaRPr/>
+          </a:p>
         </p:txBody>
       </p:sp>
       <p:sp>
         <p:nvSpPr>
           <p:cNvPr id="47" name="Google Shape;47;p11"/>
-          <p:cNvSpPr txBox="1"/>
+          <p:cNvSpPr txBox="1">
+            <a:spLocks noGrp="1"/>
+          </p:cNvSpPr>
           <p:nvPr>
-            <p:ph idx="12" type="sldNum"/>
+            <p:ph type="sldNum" idx="12"/>
           </p:nvPr>
         </p:nvSpPr>
         <p:spPr>
@@ -1853,7 +1941,7 @@
           </a:prstGeom>
         </p:spPr>
         <p:txBody>
-          <a:bodyPr anchorCtr="0" anchor="ctr" bIns="91425" lIns="91425" spcFirstLastPara="1" rIns="91425" wrap="square" tIns="91425">
+          <a:bodyPr spcFirstLastPara="1" wrap="square" lIns="91425" tIns="91425" rIns="91425" bIns="91425" anchor="ctr" anchorCtr="0">
             <a:normAutofit/>
           </a:bodyPr>
           <a:lstStyle>
@@ -1895,7 +1983,7 @@
             </a:lvl9pPr>
           </a:lstStyle>
           <a:p>
-            <a:pPr indent="0" lvl="0" marL="0" rtl="0" algn="r">
+            <a:pPr marL="0" lvl="0" indent="0" algn="r" rtl="0">
               <a:spcBef>
                 <a:spcPts val="0"/>
               </a:spcBef>
@@ -1906,7 +1994,7 @@
             </a:pPr>
             <a:fld id="{00000000-1234-1234-1234-123412341234}" type="slidenum">
               <a:rPr lang="es-419"/>
-              <a:t>‹#›</a:t>
+              <a:t>‹Nº›</a:t>
             </a:fld>
             <a:endParaRPr/>
           </a:p>
@@ -1921,11 +2009,11 @@
 </file>
 
 <file path=ppt/slideLayouts/slideLayout11.xml><?xml version="1.0" encoding="utf-8"?>
-<p:sldLayout xmlns:a="http://schemas.openxmlformats.org/drawingml/2006/main" xmlns:r="http://schemas.openxmlformats.org/officeDocument/2006/relationships" xmlns:mc="http://schemas.openxmlformats.org/markup-compatibility/2006" xmlns:mv="urn:schemas-microsoft-com:mac:vml" xmlns:p="http://schemas.openxmlformats.org/presentationml/2006/main" xmlns:c="http://schemas.openxmlformats.org/drawingml/2006/chart" xmlns:dgm="http://schemas.openxmlformats.org/drawingml/2006/diagram" xmlns:o="urn:schemas-microsoft-com:office:office" xmlns:v="urn:schemas-microsoft-com:vml" xmlns:pvml="urn:schemas-microsoft-com:office:powerpoint" xmlns:com="http://schemas.openxmlformats.org/drawingml/2006/compatibility" xmlns:p14="http://schemas.microsoft.com/office/powerpoint/2010/main" xmlns:p15="http://schemas.microsoft.com/office/powerpoint/2012/main" xmlns:ahyp="http://schemas.microsoft.com/office/drawing/2018/hyperlinkcolor" matchingName="Blank" type="blank">
+<p:sldLayout xmlns:a="http://schemas.openxmlformats.org/drawingml/2006/main" xmlns:r="http://schemas.openxmlformats.org/officeDocument/2006/relationships" xmlns:p="http://schemas.openxmlformats.org/presentationml/2006/main" matchingName="Blank" type="blank">
   <p:cSld name="BLANK">
     <p:spTree>
       <p:nvGrpSpPr>
-        <p:cNvPr id="48" name="Shape 48"/>
+        <p:cNvPr id="1" name="Shape 48"/>
         <p:cNvGrpSpPr/>
         <p:nvPr/>
       </p:nvGrpSpPr>
@@ -1940,9 +2028,11 @@
       <p:sp>
         <p:nvSpPr>
           <p:cNvPr id="49" name="Google Shape;49;p12"/>
-          <p:cNvSpPr txBox="1"/>
+          <p:cNvSpPr txBox="1">
+            <a:spLocks noGrp="1"/>
+          </p:cNvSpPr>
           <p:nvPr>
-            <p:ph idx="12" type="sldNum"/>
+            <p:ph type="sldNum" idx="12"/>
           </p:nvPr>
         </p:nvSpPr>
         <p:spPr>
@@ -1955,7 +2045,7 @@
           </a:prstGeom>
         </p:spPr>
         <p:txBody>
-          <a:bodyPr anchorCtr="0" anchor="ctr" bIns="91425" lIns="91425" spcFirstLastPara="1" rIns="91425" wrap="square" tIns="91425">
+          <a:bodyPr spcFirstLastPara="1" wrap="square" lIns="91425" tIns="91425" rIns="91425" bIns="91425" anchor="ctr" anchorCtr="0">
             <a:normAutofit/>
           </a:bodyPr>
           <a:lstStyle>
@@ -1997,7 +2087,7 @@
             </a:lvl9pPr>
           </a:lstStyle>
           <a:p>
-            <a:pPr indent="0" lvl="0" marL="0" rtl="0" algn="r">
+            <a:pPr marL="0" lvl="0" indent="0" algn="r" rtl="0">
               <a:spcBef>
                 <a:spcPts val="0"/>
               </a:spcBef>
@@ -2008,7 +2098,7 @@
             </a:pPr>
             <a:fld id="{00000000-1234-1234-1234-123412341234}" type="slidenum">
               <a:rPr lang="es-419"/>
-              <a:t>‹#›</a:t>
+              <a:t>‹Nº›</a:t>
             </a:fld>
             <a:endParaRPr/>
           </a:p>
@@ -2023,11 +2113,11 @@
 </file>
 
 <file path=ppt/slideLayouts/slideLayout2.xml><?xml version="1.0" encoding="utf-8"?>
-<p:sldLayout xmlns:a="http://schemas.openxmlformats.org/drawingml/2006/main" xmlns:r="http://schemas.openxmlformats.org/officeDocument/2006/relationships" xmlns:mc="http://schemas.openxmlformats.org/markup-compatibility/2006" xmlns:mv="urn:schemas-microsoft-com:mac:vml" xmlns:p="http://schemas.openxmlformats.org/presentationml/2006/main" xmlns:c="http://schemas.openxmlformats.org/drawingml/2006/chart" xmlns:dgm="http://schemas.openxmlformats.org/drawingml/2006/diagram" xmlns:o="urn:schemas-microsoft-com:office:office" xmlns:v="urn:schemas-microsoft-com:vml" xmlns:pvml="urn:schemas-microsoft-com:office:powerpoint" xmlns:com="http://schemas.openxmlformats.org/drawingml/2006/compatibility" xmlns:p14="http://schemas.microsoft.com/office/powerpoint/2010/main" xmlns:p15="http://schemas.microsoft.com/office/powerpoint/2012/main" xmlns:ahyp="http://schemas.microsoft.com/office/drawing/2018/hyperlinkcolor" matchingName="Section header" type="secHead">
+<p:sldLayout xmlns:a="http://schemas.openxmlformats.org/drawingml/2006/main" xmlns:r="http://schemas.openxmlformats.org/officeDocument/2006/relationships" xmlns:p="http://schemas.openxmlformats.org/presentationml/2006/main" matchingName="Section header" type="secHead">
   <p:cSld name="SECTION_HEADER">
     <p:spTree>
       <p:nvGrpSpPr>
-        <p:cNvPr id="13" name="Shape 13"/>
+        <p:cNvPr id="1" name="Shape 13"/>
         <p:cNvGrpSpPr/>
         <p:nvPr/>
       </p:nvGrpSpPr>
@@ -2042,7 +2132,9 @@
       <p:sp>
         <p:nvSpPr>
           <p:cNvPr id="14" name="Google Shape;14;p3"/>
-          <p:cNvSpPr txBox="1"/>
+          <p:cNvSpPr txBox="1">
+            <a:spLocks noGrp="1"/>
+          </p:cNvSpPr>
           <p:nvPr>
             <p:ph type="title"/>
           </p:nvPr>
@@ -2057,7 +2149,7 @@
           </a:prstGeom>
         </p:spPr>
         <p:txBody>
-          <a:bodyPr anchorCtr="0" anchor="ctr" bIns="91425" lIns="91425" spcFirstLastPara="1" rIns="91425" wrap="square" tIns="91425">
+          <a:bodyPr spcFirstLastPara="1" wrap="square" lIns="91425" tIns="91425" rIns="91425" bIns="91425" anchor="ctr" anchorCtr="0">
             <a:normAutofit/>
           </a:bodyPr>
           <a:lstStyle>
@@ -2161,15 +2253,19 @@
               <a:defRPr sz="3600"/>
             </a:lvl9pPr>
           </a:lstStyle>
-          <a:p/>
+          <a:p>
+            <a:endParaRPr/>
+          </a:p>
         </p:txBody>
       </p:sp>
       <p:sp>
         <p:nvSpPr>
           <p:cNvPr id="15" name="Google Shape;15;p3"/>
-          <p:cNvSpPr txBox="1"/>
+          <p:cNvSpPr txBox="1">
+            <a:spLocks noGrp="1"/>
+          </p:cNvSpPr>
           <p:nvPr>
-            <p:ph idx="12" type="sldNum"/>
+            <p:ph type="sldNum" idx="12"/>
           </p:nvPr>
         </p:nvSpPr>
         <p:spPr>
@@ -2182,7 +2278,7 @@
           </a:prstGeom>
         </p:spPr>
         <p:txBody>
-          <a:bodyPr anchorCtr="0" anchor="ctr" bIns="91425" lIns="91425" spcFirstLastPara="1" rIns="91425" wrap="square" tIns="91425">
+          <a:bodyPr spcFirstLastPara="1" wrap="square" lIns="91425" tIns="91425" rIns="91425" bIns="91425" anchor="ctr" anchorCtr="0">
             <a:normAutofit/>
           </a:bodyPr>
           <a:lstStyle>
@@ -2224,7 +2320,7 @@
             </a:lvl9pPr>
           </a:lstStyle>
           <a:p>
-            <a:pPr indent="0" lvl="0" marL="0" rtl="0" algn="r">
+            <a:pPr marL="0" lvl="0" indent="0" algn="r" rtl="0">
               <a:spcBef>
                 <a:spcPts val="0"/>
               </a:spcBef>
@@ -2235,7 +2331,7 @@
             </a:pPr>
             <a:fld id="{00000000-1234-1234-1234-123412341234}" type="slidenum">
               <a:rPr lang="es-419"/>
-              <a:t>‹#›</a:t>
+              <a:t>‹Nº›</a:t>
             </a:fld>
             <a:endParaRPr/>
           </a:p>
@@ -2250,11 +2346,11 @@
 </file>
 
 <file path=ppt/slideLayouts/slideLayout3.xml><?xml version="1.0" encoding="utf-8"?>
-<p:sldLayout xmlns:a="http://schemas.openxmlformats.org/drawingml/2006/main" xmlns:r="http://schemas.openxmlformats.org/officeDocument/2006/relationships" xmlns:mc="http://schemas.openxmlformats.org/markup-compatibility/2006" xmlns:mv="urn:schemas-microsoft-com:mac:vml" xmlns:p="http://schemas.openxmlformats.org/presentationml/2006/main" xmlns:c="http://schemas.openxmlformats.org/drawingml/2006/chart" xmlns:dgm="http://schemas.openxmlformats.org/drawingml/2006/diagram" xmlns:o="urn:schemas-microsoft-com:office:office" xmlns:v="urn:schemas-microsoft-com:vml" xmlns:pvml="urn:schemas-microsoft-com:office:powerpoint" xmlns:com="http://schemas.openxmlformats.org/drawingml/2006/compatibility" xmlns:p14="http://schemas.microsoft.com/office/powerpoint/2010/main" xmlns:p15="http://schemas.microsoft.com/office/powerpoint/2012/main" xmlns:ahyp="http://schemas.microsoft.com/office/drawing/2018/hyperlinkcolor" matchingName="Title and body" type="tx">
+<p:sldLayout xmlns:a="http://schemas.openxmlformats.org/drawingml/2006/main" xmlns:r="http://schemas.openxmlformats.org/officeDocument/2006/relationships" xmlns:p="http://schemas.openxmlformats.org/presentationml/2006/main" matchingName="Title and body" type="tx">
   <p:cSld name="TITLE_AND_BODY">
     <p:spTree>
       <p:nvGrpSpPr>
-        <p:cNvPr id="16" name="Shape 16"/>
+        <p:cNvPr id="1" name="Shape 16"/>
         <p:cNvGrpSpPr/>
         <p:nvPr/>
       </p:nvGrpSpPr>
@@ -2269,7 +2365,9 @@
       <p:sp>
         <p:nvSpPr>
           <p:cNvPr id="17" name="Google Shape;17;p4"/>
-          <p:cNvSpPr txBox="1"/>
+          <p:cNvSpPr txBox="1">
+            <a:spLocks noGrp="1"/>
+          </p:cNvSpPr>
           <p:nvPr>
             <p:ph type="title"/>
           </p:nvPr>
@@ -2284,7 +2382,7 @@
           </a:prstGeom>
         </p:spPr>
         <p:txBody>
-          <a:bodyPr anchorCtr="0" anchor="t" bIns="91425" lIns="91425" spcFirstLastPara="1" rIns="91425" wrap="square" tIns="91425">
+          <a:bodyPr spcFirstLastPara="1" wrap="square" lIns="91425" tIns="91425" rIns="91425" bIns="91425" anchor="t" anchorCtr="0">
             <a:normAutofit/>
           </a:bodyPr>
           <a:lstStyle>
@@ -2388,15 +2486,19 @@
               <a:defRPr/>
             </a:lvl9pPr>
           </a:lstStyle>
-          <a:p/>
+          <a:p>
+            <a:endParaRPr/>
+          </a:p>
         </p:txBody>
       </p:sp>
       <p:sp>
         <p:nvSpPr>
           <p:cNvPr id="18" name="Google Shape;18;p4"/>
-          <p:cNvSpPr txBox="1"/>
+          <p:cNvSpPr txBox="1">
+            <a:spLocks noGrp="1"/>
+          </p:cNvSpPr>
           <p:nvPr>
-            <p:ph idx="1" type="body"/>
+            <p:ph type="body" idx="1"/>
           </p:nvPr>
         </p:nvSpPr>
         <p:spPr>
@@ -2409,11 +2511,11 @@
           </a:prstGeom>
         </p:spPr>
         <p:txBody>
-          <a:bodyPr anchorCtr="0" anchor="t" bIns="91425" lIns="91425" spcFirstLastPara="1" rIns="91425" wrap="square" tIns="91425">
+          <a:bodyPr spcFirstLastPara="1" wrap="square" lIns="91425" tIns="91425" rIns="91425" bIns="91425" anchor="t" anchorCtr="0">
             <a:normAutofit/>
           </a:bodyPr>
           <a:lstStyle>
-            <a:lvl1pPr indent="-342900" lvl="0" marL="457200">
+            <a:lvl1pPr marL="457200" lvl="0" indent="-342900">
               <a:spcBef>
                 <a:spcPts val="0"/>
               </a:spcBef>
@@ -2424,7 +2526,7 @@
               <a:buChar char="●"/>
               <a:defRPr/>
             </a:lvl1pPr>
-            <a:lvl2pPr indent="-317500" lvl="1" marL="914400">
+            <a:lvl2pPr marL="914400" lvl="1" indent="-317500">
               <a:spcBef>
                 <a:spcPts val="0"/>
               </a:spcBef>
@@ -2435,7 +2537,7 @@
               <a:buChar char="○"/>
               <a:defRPr/>
             </a:lvl2pPr>
-            <a:lvl3pPr indent="-317500" lvl="2" marL="1371600">
+            <a:lvl3pPr marL="1371600" lvl="2" indent="-317500">
               <a:spcBef>
                 <a:spcPts val="0"/>
               </a:spcBef>
@@ -2446,7 +2548,7 @@
               <a:buChar char="■"/>
               <a:defRPr/>
             </a:lvl3pPr>
-            <a:lvl4pPr indent="-317500" lvl="3" marL="1828800">
+            <a:lvl4pPr marL="1828800" lvl="3" indent="-317500">
               <a:spcBef>
                 <a:spcPts val="0"/>
               </a:spcBef>
@@ -2457,7 +2559,7 @@
               <a:buChar char="●"/>
               <a:defRPr/>
             </a:lvl4pPr>
-            <a:lvl5pPr indent="-317500" lvl="4" marL="2286000">
+            <a:lvl5pPr marL="2286000" lvl="4" indent="-317500">
               <a:spcBef>
                 <a:spcPts val="0"/>
               </a:spcBef>
@@ -2468,7 +2570,7 @@
               <a:buChar char="○"/>
               <a:defRPr/>
             </a:lvl5pPr>
-            <a:lvl6pPr indent="-317500" lvl="5" marL="2743200">
+            <a:lvl6pPr marL="2743200" lvl="5" indent="-317500">
               <a:spcBef>
                 <a:spcPts val="0"/>
               </a:spcBef>
@@ -2479,7 +2581,7 @@
               <a:buChar char="■"/>
               <a:defRPr/>
             </a:lvl6pPr>
-            <a:lvl7pPr indent="-317500" lvl="6" marL="3200400">
+            <a:lvl7pPr marL="3200400" lvl="6" indent="-317500">
               <a:spcBef>
                 <a:spcPts val="0"/>
               </a:spcBef>
@@ -2490,7 +2592,7 @@
               <a:buChar char="●"/>
               <a:defRPr/>
             </a:lvl7pPr>
-            <a:lvl8pPr indent="-317500" lvl="7" marL="3657600">
+            <a:lvl8pPr marL="3657600" lvl="7" indent="-317500">
               <a:spcBef>
                 <a:spcPts val="0"/>
               </a:spcBef>
@@ -2501,7 +2603,7 @@
               <a:buChar char="○"/>
               <a:defRPr/>
             </a:lvl8pPr>
-            <a:lvl9pPr indent="-317500" lvl="8" marL="4114800">
+            <a:lvl9pPr marL="4114800" lvl="8" indent="-317500">
               <a:spcBef>
                 <a:spcPts val="0"/>
               </a:spcBef>
@@ -2513,15 +2615,19 @@
               <a:defRPr/>
             </a:lvl9pPr>
           </a:lstStyle>
-          <a:p/>
+          <a:p>
+            <a:endParaRPr/>
+          </a:p>
         </p:txBody>
       </p:sp>
       <p:sp>
         <p:nvSpPr>
           <p:cNvPr id="19" name="Google Shape;19;p4"/>
-          <p:cNvSpPr txBox="1"/>
+          <p:cNvSpPr txBox="1">
+            <a:spLocks noGrp="1"/>
+          </p:cNvSpPr>
           <p:nvPr>
-            <p:ph idx="12" type="sldNum"/>
+            <p:ph type="sldNum" idx="12"/>
           </p:nvPr>
         </p:nvSpPr>
         <p:spPr>
@@ -2534,7 +2640,7 @@
           </a:prstGeom>
         </p:spPr>
         <p:txBody>
-          <a:bodyPr anchorCtr="0" anchor="ctr" bIns="91425" lIns="91425" spcFirstLastPara="1" rIns="91425" wrap="square" tIns="91425">
+          <a:bodyPr spcFirstLastPara="1" wrap="square" lIns="91425" tIns="91425" rIns="91425" bIns="91425" anchor="ctr" anchorCtr="0">
             <a:normAutofit/>
           </a:bodyPr>
           <a:lstStyle>
@@ -2576,7 +2682,7 @@
             </a:lvl9pPr>
           </a:lstStyle>
           <a:p>
-            <a:pPr indent="0" lvl="0" marL="0" rtl="0" algn="r">
+            <a:pPr marL="0" lvl="0" indent="0" algn="r" rtl="0">
               <a:spcBef>
                 <a:spcPts val="0"/>
               </a:spcBef>
@@ -2587,7 +2693,7 @@
             </a:pPr>
             <a:fld id="{00000000-1234-1234-1234-123412341234}" type="slidenum">
               <a:rPr lang="es-419"/>
-              <a:t>‹#›</a:t>
+              <a:t>‹Nº›</a:t>
             </a:fld>
             <a:endParaRPr/>
           </a:p>
@@ -2602,11 +2708,11 @@
 </file>
 
 <file path=ppt/slideLayouts/slideLayout4.xml><?xml version="1.0" encoding="utf-8"?>
-<p:sldLayout xmlns:a="http://schemas.openxmlformats.org/drawingml/2006/main" xmlns:r="http://schemas.openxmlformats.org/officeDocument/2006/relationships" xmlns:mc="http://schemas.openxmlformats.org/markup-compatibility/2006" xmlns:mv="urn:schemas-microsoft-com:mac:vml" xmlns:p="http://schemas.openxmlformats.org/presentationml/2006/main" xmlns:c="http://schemas.openxmlformats.org/drawingml/2006/chart" xmlns:dgm="http://schemas.openxmlformats.org/drawingml/2006/diagram" xmlns:o="urn:schemas-microsoft-com:office:office" xmlns:v="urn:schemas-microsoft-com:vml" xmlns:pvml="urn:schemas-microsoft-com:office:powerpoint" xmlns:com="http://schemas.openxmlformats.org/drawingml/2006/compatibility" xmlns:p14="http://schemas.microsoft.com/office/powerpoint/2010/main" xmlns:p15="http://schemas.microsoft.com/office/powerpoint/2012/main" xmlns:ahyp="http://schemas.microsoft.com/office/drawing/2018/hyperlinkcolor" matchingName="Title and two columns" type="twoColTx">
+<p:sldLayout xmlns:a="http://schemas.openxmlformats.org/drawingml/2006/main" xmlns:r="http://schemas.openxmlformats.org/officeDocument/2006/relationships" xmlns:p="http://schemas.openxmlformats.org/presentationml/2006/main" matchingName="Title and two columns" type="twoColTx">
   <p:cSld name="TITLE_AND_TWO_COLUMNS">
     <p:spTree>
       <p:nvGrpSpPr>
-        <p:cNvPr id="20" name="Shape 20"/>
+        <p:cNvPr id="1" name="Shape 20"/>
         <p:cNvGrpSpPr/>
         <p:nvPr/>
       </p:nvGrpSpPr>
@@ -2621,7 +2727,9 @@
       <p:sp>
         <p:nvSpPr>
           <p:cNvPr id="21" name="Google Shape;21;p5"/>
-          <p:cNvSpPr txBox="1"/>
+          <p:cNvSpPr txBox="1">
+            <a:spLocks noGrp="1"/>
+          </p:cNvSpPr>
           <p:nvPr>
             <p:ph type="title"/>
           </p:nvPr>
@@ -2636,7 +2744,7 @@
           </a:prstGeom>
         </p:spPr>
         <p:txBody>
-          <a:bodyPr anchorCtr="0" anchor="t" bIns="91425" lIns="91425" spcFirstLastPara="1" rIns="91425" wrap="square" tIns="91425">
+          <a:bodyPr spcFirstLastPara="1" wrap="square" lIns="91425" tIns="91425" rIns="91425" bIns="91425" anchor="t" anchorCtr="0">
             <a:normAutofit/>
           </a:bodyPr>
           <a:lstStyle>
@@ -2740,15 +2848,19 @@
               <a:defRPr/>
             </a:lvl9pPr>
           </a:lstStyle>
-          <a:p/>
+          <a:p>
+            <a:endParaRPr/>
+          </a:p>
         </p:txBody>
       </p:sp>
       <p:sp>
         <p:nvSpPr>
           <p:cNvPr id="22" name="Google Shape;22;p5"/>
-          <p:cNvSpPr txBox="1"/>
+          <p:cNvSpPr txBox="1">
+            <a:spLocks noGrp="1"/>
+          </p:cNvSpPr>
           <p:nvPr>
-            <p:ph idx="1" type="body"/>
+            <p:ph type="body" idx="1"/>
           </p:nvPr>
         </p:nvSpPr>
         <p:spPr>
@@ -2761,11 +2873,11 @@
           </a:prstGeom>
         </p:spPr>
         <p:txBody>
-          <a:bodyPr anchorCtr="0" anchor="t" bIns="91425" lIns="91425" spcFirstLastPara="1" rIns="91425" wrap="square" tIns="91425">
+          <a:bodyPr spcFirstLastPara="1" wrap="square" lIns="91425" tIns="91425" rIns="91425" bIns="91425" anchor="t" anchorCtr="0">
             <a:normAutofit/>
           </a:bodyPr>
           <a:lstStyle>
-            <a:lvl1pPr indent="-317500" lvl="0" marL="457200">
+            <a:lvl1pPr marL="457200" lvl="0" indent="-317500">
               <a:spcBef>
                 <a:spcPts val="0"/>
               </a:spcBef>
@@ -2776,7 +2888,7 @@
               <a:buChar char="●"/>
               <a:defRPr sz="1400"/>
             </a:lvl1pPr>
-            <a:lvl2pPr indent="-304800" lvl="1" marL="914400">
+            <a:lvl2pPr marL="914400" lvl="1" indent="-304800">
               <a:spcBef>
                 <a:spcPts val="0"/>
               </a:spcBef>
@@ -2787,7 +2899,7 @@
               <a:buChar char="○"/>
               <a:defRPr sz="1200"/>
             </a:lvl2pPr>
-            <a:lvl3pPr indent="-304800" lvl="2" marL="1371600">
+            <a:lvl3pPr marL="1371600" lvl="2" indent="-304800">
               <a:spcBef>
                 <a:spcPts val="0"/>
               </a:spcBef>
@@ -2798,7 +2910,7 @@
               <a:buChar char="■"/>
               <a:defRPr sz="1200"/>
             </a:lvl3pPr>
-            <a:lvl4pPr indent="-304800" lvl="3" marL="1828800">
+            <a:lvl4pPr marL="1828800" lvl="3" indent="-304800">
               <a:spcBef>
                 <a:spcPts val="0"/>
               </a:spcBef>
@@ -2809,7 +2921,7 @@
               <a:buChar char="●"/>
               <a:defRPr sz="1200"/>
             </a:lvl4pPr>
-            <a:lvl5pPr indent="-304800" lvl="4" marL="2286000">
+            <a:lvl5pPr marL="2286000" lvl="4" indent="-304800">
               <a:spcBef>
                 <a:spcPts val="0"/>
               </a:spcBef>
@@ -2820,7 +2932,7 @@
               <a:buChar char="○"/>
               <a:defRPr sz="1200"/>
             </a:lvl5pPr>
-            <a:lvl6pPr indent="-304800" lvl="5" marL="2743200">
+            <a:lvl6pPr marL="2743200" lvl="5" indent="-304800">
               <a:spcBef>
                 <a:spcPts val="0"/>
               </a:spcBef>
@@ -2831,7 +2943,7 @@
               <a:buChar char="■"/>
               <a:defRPr sz="1200"/>
             </a:lvl6pPr>
-            <a:lvl7pPr indent="-304800" lvl="6" marL="3200400">
+            <a:lvl7pPr marL="3200400" lvl="6" indent="-304800">
               <a:spcBef>
                 <a:spcPts val="0"/>
               </a:spcBef>
@@ -2842,7 +2954,7 @@
               <a:buChar char="●"/>
               <a:defRPr sz="1200"/>
             </a:lvl7pPr>
-            <a:lvl8pPr indent="-304800" lvl="7" marL="3657600">
+            <a:lvl8pPr marL="3657600" lvl="7" indent="-304800">
               <a:spcBef>
                 <a:spcPts val="0"/>
               </a:spcBef>
@@ -2853,7 +2965,7 @@
               <a:buChar char="○"/>
               <a:defRPr sz="1200"/>
             </a:lvl8pPr>
-            <a:lvl9pPr indent="-304800" lvl="8" marL="4114800">
+            <a:lvl9pPr marL="4114800" lvl="8" indent="-304800">
               <a:spcBef>
                 <a:spcPts val="0"/>
               </a:spcBef>
@@ -2865,15 +2977,19 @@
               <a:defRPr sz="1200"/>
             </a:lvl9pPr>
           </a:lstStyle>
-          <a:p/>
+          <a:p>
+            <a:endParaRPr/>
+          </a:p>
         </p:txBody>
       </p:sp>
       <p:sp>
         <p:nvSpPr>
           <p:cNvPr id="23" name="Google Shape;23;p5"/>
-          <p:cNvSpPr txBox="1"/>
+          <p:cNvSpPr txBox="1">
+            <a:spLocks noGrp="1"/>
+          </p:cNvSpPr>
           <p:nvPr>
-            <p:ph idx="2" type="body"/>
+            <p:ph type="body" idx="2"/>
           </p:nvPr>
         </p:nvSpPr>
         <p:spPr>
@@ -2886,11 +3002,11 @@
           </a:prstGeom>
         </p:spPr>
         <p:txBody>
-          <a:bodyPr anchorCtr="0" anchor="t" bIns="91425" lIns="91425" spcFirstLastPara="1" rIns="91425" wrap="square" tIns="91425">
+          <a:bodyPr spcFirstLastPara="1" wrap="square" lIns="91425" tIns="91425" rIns="91425" bIns="91425" anchor="t" anchorCtr="0">
             <a:normAutofit/>
           </a:bodyPr>
           <a:lstStyle>
-            <a:lvl1pPr indent="-317500" lvl="0" marL="457200">
+            <a:lvl1pPr marL="457200" lvl="0" indent="-317500">
               <a:spcBef>
                 <a:spcPts val="0"/>
               </a:spcBef>
@@ -2901,7 +3017,7 @@
               <a:buChar char="●"/>
               <a:defRPr sz="1400"/>
             </a:lvl1pPr>
-            <a:lvl2pPr indent="-304800" lvl="1" marL="914400">
+            <a:lvl2pPr marL="914400" lvl="1" indent="-304800">
               <a:spcBef>
                 <a:spcPts val="0"/>
               </a:spcBef>
@@ -2912,7 +3028,7 @@
               <a:buChar char="○"/>
               <a:defRPr sz="1200"/>
             </a:lvl2pPr>
-            <a:lvl3pPr indent="-304800" lvl="2" marL="1371600">
+            <a:lvl3pPr marL="1371600" lvl="2" indent="-304800">
               <a:spcBef>
                 <a:spcPts val="0"/>
               </a:spcBef>
@@ -2923,7 +3039,7 @@
               <a:buChar char="■"/>
               <a:defRPr sz="1200"/>
             </a:lvl3pPr>
-            <a:lvl4pPr indent="-304800" lvl="3" marL="1828800">
+            <a:lvl4pPr marL="1828800" lvl="3" indent="-304800">
               <a:spcBef>
                 <a:spcPts val="0"/>
               </a:spcBef>
@@ -2934,7 +3050,7 @@
               <a:buChar char="●"/>
               <a:defRPr sz="1200"/>
             </a:lvl4pPr>
-            <a:lvl5pPr indent="-304800" lvl="4" marL="2286000">
+            <a:lvl5pPr marL="2286000" lvl="4" indent="-304800">
               <a:spcBef>
                 <a:spcPts val="0"/>
               </a:spcBef>
@@ -2945,7 +3061,7 @@
               <a:buChar char="○"/>
               <a:defRPr sz="1200"/>
             </a:lvl5pPr>
-            <a:lvl6pPr indent="-304800" lvl="5" marL="2743200">
+            <a:lvl6pPr marL="2743200" lvl="5" indent="-304800">
               <a:spcBef>
                 <a:spcPts val="0"/>
               </a:spcBef>
@@ -2956,7 +3072,7 @@
               <a:buChar char="■"/>
               <a:defRPr sz="1200"/>
             </a:lvl6pPr>
-            <a:lvl7pPr indent="-304800" lvl="6" marL="3200400">
+            <a:lvl7pPr marL="3200400" lvl="6" indent="-304800">
               <a:spcBef>
                 <a:spcPts val="0"/>
               </a:spcBef>
@@ -2967,7 +3083,7 @@
               <a:buChar char="●"/>
               <a:defRPr sz="1200"/>
             </a:lvl7pPr>
-            <a:lvl8pPr indent="-304800" lvl="7" marL="3657600">
+            <a:lvl8pPr marL="3657600" lvl="7" indent="-304800">
               <a:spcBef>
                 <a:spcPts val="0"/>
               </a:spcBef>
@@ -2978,7 +3094,7 @@
               <a:buChar char="○"/>
               <a:defRPr sz="1200"/>
             </a:lvl8pPr>
-            <a:lvl9pPr indent="-304800" lvl="8" marL="4114800">
+            <a:lvl9pPr marL="4114800" lvl="8" indent="-304800">
               <a:spcBef>
                 <a:spcPts val="0"/>
               </a:spcBef>
@@ -2990,15 +3106,19 @@
               <a:defRPr sz="1200"/>
             </a:lvl9pPr>
           </a:lstStyle>
-          <a:p/>
+          <a:p>
+            <a:endParaRPr/>
+          </a:p>
         </p:txBody>
       </p:sp>
       <p:sp>
         <p:nvSpPr>
           <p:cNvPr id="24" name="Google Shape;24;p5"/>
-          <p:cNvSpPr txBox="1"/>
+          <p:cNvSpPr txBox="1">
+            <a:spLocks noGrp="1"/>
+          </p:cNvSpPr>
           <p:nvPr>
-            <p:ph idx="12" type="sldNum"/>
+            <p:ph type="sldNum" idx="12"/>
           </p:nvPr>
         </p:nvSpPr>
         <p:spPr>
@@ -3011,7 +3131,7 @@
           </a:prstGeom>
         </p:spPr>
         <p:txBody>
-          <a:bodyPr anchorCtr="0" anchor="ctr" bIns="91425" lIns="91425" spcFirstLastPara="1" rIns="91425" wrap="square" tIns="91425">
+          <a:bodyPr spcFirstLastPara="1" wrap="square" lIns="91425" tIns="91425" rIns="91425" bIns="91425" anchor="ctr" anchorCtr="0">
             <a:normAutofit/>
           </a:bodyPr>
           <a:lstStyle>
@@ -3053,7 +3173,7 @@
             </a:lvl9pPr>
           </a:lstStyle>
           <a:p>
-            <a:pPr indent="0" lvl="0" marL="0" rtl="0" algn="r">
+            <a:pPr marL="0" lvl="0" indent="0" algn="r" rtl="0">
               <a:spcBef>
                 <a:spcPts val="0"/>
               </a:spcBef>
@@ -3064,7 +3184,7 @@
             </a:pPr>
             <a:fld id="{00000000-1234-1234-1234-123412341234}" type="slidenum">
               <a:rPr lang="es-419"/>
-              <a:t>‹#›</a:t>
+              <a:t>‹Nº›</a:t>
             </a:fld>
             <a:endParaRPr/>
           </a:p>
@@ -3079,11 +3199,11 @@
 </file>
 
 <file path=ppt/slideLayouts/slideLayout5.xml><?xml version="1.0" encoding="utf-8"?>
-<p:sldLayout xmlns:a="http://schemas.openxmlformats.org/drawingml/2006/main" xmlns:r="http://schemas.openxmlformats.org/officeDocument/2006/relationships" xmlns:mc="http://schemas.openxmlformats.org/markup-compatibility/2006" xmlns:mv="urn:schemas-microsoft-com:mac:vml" xmlns:p="http://schemas.openxmlformats.org/presentationml/2006/main" xmlns:c="http://schemas.openxmlformats.org/drawingml/2006/chart" xmlns:dgm="http://schemas.openxmlformats.org/drawingml/2006/diagram" xmlns:o="urn:schemas-microsoft-com:office:office" xmlns:v="urn:schemas-microsoft-com:vml" xmlns:pvml="urn:schemas-microsoft-com:office:powerpoint" xmlns:com="http://schemas.openxmlformats.org/drawingml/2006/compatibility" xmlns:p14="http://schemas.microsoft.com/office/powerpoint/2010/main" xmlns:p15="http://schemas.microsoft.com/office/powerpoint/2012/main" xmlns:ahyp="http://schemas.microsoft.com/office/drawing/2018/hyperlinkcolor" matchingName="Title only" type="titleOnly">
+<p:sldLayout xmlns:a="http://schemas.openxmlformats.org/drawingml/2006/main" xmlns:r="http://schemas.openxmlformats.org/officeDocument/2006/relationships" xmlns:p="http://schemas.openxmlformats.org/presentationml/2006/main" matchingName="Title only" type="titleOnly">
   <p:cSld name="TITLE_ONLY">
     <p:spTree>
       <p:nvGrpSpPr>
-        <p:cNvPr id="25" name="Shape 25"/>
+        <p:cNvPr id="1" name="Shape 25"/>
         <p:cNvGrpSpPr/>
         <p:nvPr/>
       </p:nvGrpSpPr>
@@ -3098,7 +3218,9 @@
       <p:sp>
         <p:nvSpPr>
           <p:cNvPr id="26" name="Google Shape;26;p6"/>
-          <p:cNvSpPr txBox="1"/>
+          <p:cNvSpPr txBox="1">
+            <a:spLocks noGrp="1"/>
+          </p:cNvSpPr>
           <p:nvPr>
             <p:ph type="title"/>
           </p:nvPr>
@@ -3113,7 +3235,7 @@
           </a:prstGeom>
         </p:spPr>
         <p:txBody>
-          <a:bodyPr anchorCtr="0" anchor="t" bIns="91425" lIns="91425" spcFirstLastPara="1" rIns="91425" wrap="square" tIns="91425">
+          <a:bodyPr spcFirstLastPara="1" wrap="square" lIns="91425" tIns="91425" rIns="91425" bIns="91425" anchor="t" anchorCtr="0">
             <a:normAutofit/>
           </a:bodyPr>
           <a:lstStyle>
@@ -3217,15 +3339,19 @@
               <a:defRPr/>
             </a:lvl9pPr>
           </a:lstStyle>
-          <a:p/>
+          <a:p>
+            <a:endParaRPr/>
+          </a:p>
         </p:txBody>
       </p:sp>
       <p:sp>
         <p:nvSpPr>
           <p:cNvPr id="27" name="Google Shape;27;p6"/>
-          <p:cNvSpPr txBox="1"/>
+          <p:cNvSpPr txBox="1">
+            <a:spLocks noGrp="1"/>
+          </p:cNvSpPr>
           <p:nvPr>
-            <p:ph idx="12" type="sldNum"/>
+            <p:ph type="sldNum" idx="12"/>
           </p:nvPr>
         </p:nvSpPr>
         <p:spPr>
@@ -3238,7 +3364,7 @@
           </a:prstGeom>
         </p:spPr>
         <p:txBody>
-          <a:bodyPr anchorCtr="0" anchor="ctr" bIns="91425" lIns="91425" spcFirstLastPara="1" rIns="91425" wrap="square" tIns="91425">
+          <a:bodyPr spcFirstLastPara="1" wrap="square" lIns="91425" tIns="91425" rIns="91425" bIns="91425" anchor="ctr" anchorCtr="0">
             <a:normAutofit/>
           </a:bodyPr>
           <a:lstStyle>
@@ -3280,7 +3406,7 @@
             </a:lvl9pPr>
           </a:lstStyle>
           <a:p>
-            <a:pPr indent="0" lvl="0" marL="0" rtl="0" algn="r">
+            <a:pPr marL="0" lvl="0" indent="0" algn="r" rtl="0">
               <a:spcBef>
                 <a:spcPts val="0"/>
               </a:spcBef>
@@ -3291,7 +3417,7 @@
             </a:pPr>
             <a:fld id="{00000000-1234-1234-1234-123412341234}" type="slidenum">
               <a:rPr lang="es-419"/>
-              <a:t>‹#›</a:t>
+              <a:t>‹Nº›</a:t>
             </a:fld>
             <a:endParaRPr/>
           </a:p>
@@ -3306,11 +3432,11 @@
 </file>
 
 <file path=ppt/slideLayouts/slideLayout6.xml><?xml version="1.0" encoding="utf-8"?>
-<p:sldLayout xmlns:a="http://schemas.openxmlformats.org/drawingml/2006/main" xmlns:r="http://schemas.openxmlformats.org/officeDocument/2006/relationships" xmlns:mc="http://schemas.openxmlformats.org/markup-compatibility/2006" xmlns:mv="urn:schemas-microsoft-com:mac:vml" xmlns:p="http://schemas.openxmlformats.org/presentationml/2006/main" xmlns:c="http://schemas.openxmlformats.org/drawingml/2006/chart" xmlns:dgm="http://schemas.openxmlformats.org/drawingml/2006/diagram" xmlns:o="urn:schemas-microsoft-com:office:office" xmlns:v="urn:schemas-microsoft-com:vml" xmlns:pvml="urn:schemas-microsoft-com:office:powerpoint" xmlns:com="http://schemas.openxmlformats.org/drawingml/2006/compatibility" xmlns:p14="http://schemas.microsoft.com/office/powerpoint/2010/main" xmlns:p15="http://schemas.microsoft.com/office/powerpoint/2012/main" xmlns:ahyp="http://schemas.microsoft.com/office/drawing/2018/hyperlinkcolor" matchingName="One column text">
+<p:sldLayout xmlns:a="http://schemas.openxmlformats.org/drawingml/2006/main" xmlns:r="http://schemas.openxmlformats.org/officeDocument/2006/relationships" xmlns:p="http://schemas.openxmlformats.org/presentationml/2006/main" matchingName="One column text">
   <p:cSld name="ONE_COLUMN_TEXT">
     <p:spTree>
       <p:nvGrpSpPr>
-        <p:cNvPr id="28" name="Shape 28"/>
+        <p:cNvPr id="1" name="Shape 28"/>
         <p:cNvGrpSpPr/>
         <p:nvPr/>
       </p:nvGrpSpPr>
@@ -3325,7 +3451,9 @@
       <p:sp>
         <p:nvSpPr>
           <p:cNvPr id="29" name="Google Shape;29;p7"/>
-          <p:cNvSpPr txBox="1"/>
+          <p:cNvSpPr txBox="1">
+            <a:spLocks noGrp="1"/>
+          </p:cNvSpPr>
           <p:nvPr>
             <p:ph type="title"/>
           </p:nvPr>
@@ -3340,7 +3468,7 @@
           </a:prstGeom>
         </p:spPr>
         <p:txBody>
-          <a:bodyPr anchorCtr="0" anchor="b" bIns="91425" lIns="91425" spcFirstLastPara="1" rIns="91425" wrap="square" tIns="91425">
+          <a:bodyPr spcFirstLastPara="1" wrap="square" lIns="91425" tIns="91425" rIns="91425" bIns="91425" anchor="b" anchorCtr="0">
             <a:normAutofit/>
           </a:bodyPr>
           <a:lstStyle>
@@ -3444,15 +3572,19 @@
               <a:defRPr sz="2400"/>
             </a:lvl9pPr>
           </a:lstStyle>
-          <a:p/>
+          <a:p>
+            <a:endParaRPr/>
+          </a:p>
         </p:txBody>
       </p:sp>
       <p:sp>
         <p:nvSpPr>
           <p:cNvPr id="30" name="Google Shape;30;p7"/>
-          <p:cNvSpPr txBox="1"/>
+          <p:cNvSpPr txBox="1">
+            <a:spLocks noGrp="1"/>
+          </p:cNvSpPr>
           <p:nvPr>
-            <p:ph idx="1" type="body"/>
+            <p:ph type="body" idx="1"/>
           </p:nvPr>
         </p:nvSpPr>
         <p:spPr>
@@ -3465,11 +3597,11 @@
           </a:prstGeom>
         </p:spPr>
         <p:txBody>
-          <a:bodyPr anchorCtr="0" anchor="t" bIns="91425" lIns="91425" spcFirstLastPara="1" rIns="91425" wrap="square" tIns="91425">
+          <a:bodyPr spcFirstLastPara="1" wrap="square" lIns="91425" tIns="91425" rIns="91425" bIns="91425" anchor="t" anchorCtr="0">
             <a:normAutofit/>
           </a:bodyPr>
           <a:lstStyle>
-            <a:lvl1pPr indent="-304800" lvl="0" marL="457200">
+            <a:lvl1pPr marL="457200" lvl="0" indent="-304800">
               <a:spcBef>
                 <a:spcPts val="0"/>
               </a:spcBef>
@@ -3480,7 +3612,7 @@
               <a:buChar char="●"/>
               <a:defRPr sz="1200"/>
             </a:lvl1pPr>
-            <a:lvl2pPr indent="-304800" lvl="1" marL="914400">
+            <a:lvl2pPr marL="914400" lvl="1" indent="-304800">
               <a:spcBef>
                 <a:spcPts val="0"/>
               </a:spcBef>
@@ -3491,7 +3623,7 @@
               <a:buChar char="○"/>
               <a:defRPr sz="1200"/>
             </a:lvl2pPr>
-            <a:lvl3pPr indent="-304800" lvl="2" marL="1371600">
+            <a:lvl3pPr marL="1371600" lvl="2" indent="-304800">
               <a:spcBef>
                 <a:spcPts val="0"/>
               </a:spcBef>
@@ -3502,7 +3634,7 @@
               <a:buChar char="■"/>
               <a:defRPr sz="1200"/>
             </a:lvl3pPr>
-            <a:lvl4pPr indent="-304800" lvl="3" marL="1828800">
+            <a:lvl4pPr marL="1828800" lvl="3" indent="-304800">
               <a:spcBef>
                 <a:spcPts val="0"/>
               </a:spcBef>
@@ -3513,7 +3645,7 @@
               <a:buChar char="●"/>
               <a:defRPr sz="1200"/>
             </a:lvl4pPr>
-            <a:lvl5pPr indent="-304800" lvl="4" marL="2286000">
+            <a:lvl5pPr marL="2286000" lvl="4" indent="-304800">
               <a:spcBef>
                 <a:spcPts val="0"/>
               </a:spcBef>
@@ -3524,7 +3656,7 @@
               <a:buChar char="○"/>
               <a:defRPr sz="1200"/>
             </a:lvl5pPr>
-            <a:lvl6pPr indent="-304800" lvl="5" marL="2743200">
+            <a:lvl6pPr marL="2743200" lvl="5" indent="-304800">
               <a:spcBef>
                 <a:spcPts val="0"/>
               </a:spcBef>
@@ -3535,7 +3667,7 @@
               <a:buChar char="■"/>
               <a:defRPr sz="1200"/>
             </a:lvl6pPr>
-            <a:lvl7pPr indent="-304800" lvl="6" marL="3200400">
+            <a:lvl7pPr marL="3200400" lvl="6" indent="-304800">
               <a:spcBef>
                 <a:spcPts val="0"/>
               </a:spcBef>
@@ -3546,7 +3678,7 @@
               <a:buChar char="●"/>
               <a:defRPr sz="1200"/>
             </a:lvl7pPr>
-            <a:lvl8pPr indent="-304800" lvl="7" marL="3657600">
+            <a:lvl8pPr marL="3657600" lvl="7" indent="-304800">
               <a:spcBef>
                 <a:spcPts val="0"/>
               </a:spcBef>
@@ -3557,7 +3689,7 @@
               <a:buChar char="○"/>
               <a:defRPr sz="1200"/>
             </a:lvl8pPr>
-            <a:lvl9pPr indent="-304800" lvl="8" marL="4114800">
+            <a:lvl9pPr marL="4114800" lvl="8" indent="-304800">
               <a:spcBef>
                 <a:spcPts val="0"/>
               </a:spcBef>
@@ -3569,15 +3701,19 @@
               <a:defRPr sz="1200"/>
             </a:lvl9pPr>
           </a:lstStyle>
-          <a:p/>
+          <a:p>
+            <a:endParaRPr/>
+          </a:p>
         </p:txBody>
       </p:sp>
       <p:sp>
         <p:nvSpPr>
           <p:cNvPr id="31" name="Google Shape;31;p7"/>
-          <p:cNvSpPr txBox="1"/>
+          <p:cNvSpPr txBox="1">
+            <a:spLocks noGrp="1"/>
+          </p:cNvSpPr>
           <p:nvPr>
-            <p:ph idx="12" type="sldNum"/>
+            <p:ph type="sldNum" idx="12"/>
           </p:nvPr>
         </p:nvSpPr>
         <p:spPr>
@@ -3590,7 +3726,7 @@
           </a:prstGeom>
         </p:spPr>
         <p:txBody>
-          <a:bodyPr anchorCtr="0" anchor="ctr" bIns="91425" lIns="91425" spcFirstLastPara="1" rIns="91425" wrap="square" tIns="91425">
+          <a:bodyPr spcFirstLastPara="1" wrap="square" lIns="91425" tIns="91425" rIns="91425" bIns="91425" anchor="ctr" anchorCtr="0">
             <a:normAutofit/>
           </a:bodyPr>
           <a:lstStyle>
@@ -3632,7 +3768,7 @@
             </a:lvl9pPr>
           </a:lstStyle>
           <a:p>
-            <a:pPr indent="0" lvl="0" marL="0" rtl="0" algn="r">
+            <a:pPr marL="0" lvl="0" indent="0" algn="r" rtl="0">
               <a:spcBef>
                 <a:spcPts val="0"/>
               </a:spcBef>
@@ -3643,7 +3779,7 @@
             </a:pPr>
             <a:fld id="{00000000-1234-1234-1234-123412341234}" type="slidenum">
               <a:rPr lang="es-419"/>
-              <a:t>‹#›</a:t>
+              <a:t>‹Nº›</a:t>
             </a:fld>
             <a:endParaRPr/>
           </a:p>
@@ -3658,11 +3794,11 @@
 </file>
 
 <file path=ppt/slideLayouts/slideLayout7.xml><?xml version="1.0" encoding="utf-8"?>
-<p:sldLayout xmlns:a="http://schemas.openxmlformats.org/drawingml/2006/main" xmlns:r="http://schemas.openxmlformats.org/officeDocument/2006/relationships" xmlns:mc="http://schemas.openxmlformats.org/markup-compatibility/2006" xmlns:mv="urn:schemas-microsoft-com:mac:vml" xmlns:p="http://schemas.openxmlformats.org/presentationml/2006/main" xmlns:c="http://schemas.openxmlformats.org/drawingml/2006/chart" xmlns:dgm="http://schemas.openxmlformats.org/drawingml/2006/diagram" xmlns:o="urn:schemas-microsoft-com:office:office" xmlns:v="urn:schemas-microsoft-com:vml" xmlns:pvml="urn:schemas-microsoft-com:office:powerpoint" xmlns:com="http://schemas.openxmlformats.org/drawingml/2006/compatibility" xmlns:p14="http://schemas.microsoft.com/office/powerpoint/2010/main" xmlns:p15="http://schemas.microsoft.com/office/powerpoint/2012/main" xmlns:ahyp="http://schemas.microsoft.com/office/drawing/2018/hyperlinkcolor" matchingName="Main point">
+<p:sldLayout xmlns:a="http://schemas.openxmlformats.org/drawingml/2006/main" xmlns:r="http://schemas.openxmlformats.org/officeDocument/2006/relationships" xmlns:p="http://schemas.openxmlformats.org/presentationml/2006/main" matchingName="Main point">
   <p:cSld name="MAIN_POINT">
     <p:spTree>
       <p:nvGrpSpPr>
-        <p:cNvPr id="32" name="Shape 32"/>
+        <p:cNvPr id="1" name="Shape 32"/>
         <p:cNvGrpSpPr/>
         <p:nvPr/>
       </p:nvGrpSpPr>
@@ -3677,7 +3813,9 @@
       <p:sp>
         <p:nvSpPr>
           <p:cNvPr id="33" name="Google Shape;33;p8"/>
-          <p:cNvSpPr txBox="1"/>
+          <p:cNvSpPr txBox="1">
+            <a:spLocks noGrp="1"/>
+          </p:cNvSpPr>
           <p:nvPr>
             <p:ph type="title"/>
           </p:nvPr>
@@ -3692,7 +3830,7 @@
           </a:prstGeom>
         </p:spPr>
         <p:txBody>
-          <a:bodyPr anchorCtr="0" anchor="ctr" bIns="91425" lIns="91425" spcFirstLastPara="1" rIns="91425" wrap="square" tIns="91425">
+          <a:bodyPr spcFirstLastPara="1" wrap="square" lIns="91425" tIns="91425" rIns="91425" bIns="91425" anchor="ctr" anchorCtr="0">
             <a:normAutofit/>
           </a:bodyPr>
           <a:lstStyle>
@@ -3796,15 +3934,19 @@
               <a:defRPr sz="4800"/>
             </a:lvl9pPr>
           </a:lstStyle>
-          <a:p/>
+          <a:p>
+            <a:endParaRPr/>
+          </a:p>
         </p:txBody>
       </p:sp>
       <p:sp>
         <p:nvSpPr>
           <p:cNvPr id="34" name="Google Shape;34;p8"/>
-          <p:cNvSpPr txBox="1"/>
+          <p:cNvSpPr txBox="1">
+            <a:spLocks noGrp="1"/>
+          </p:cNvSpPr>
           <p:nvPr>
-            <p:ph idx="12" type="sldNum"/>
+            <p:ph type="sldNum" idx="12"/>
           </p:nvPr>
         </p:nvSpPr>
         <p:spPr>
@@ -3817,7 +3959,7 @@
           </a:prstGeom>
         </p:spPr>
         <p:txBody>
-          <a:bodyPr anchorCtr="0" anchor="ctr" bIns="91425" lIns="91425" spcFirstLastPara="1" rIns="91425" wrap="square" tIns="91425">
+          <a:bodyPr spcFirstLastPara="1" wrap="square" lIns="91425" tIns="91425" rIns="91425" bIns="91425" anchor="ctr" anchorCtr="0">
             <a:normAutofit/>
           </a:bodyPr>
           <a:lstStyle>
@@ -3859,7 +4001,7 @@
             </a:lvl9pPr>
           </a:lstStyle>
           <a:p>
-            <a:pPr indent="0" lvl="0" marL="0" rtl="0" algn="r">
+            <a:pPr marL="0" lvl="0" indent="0" algn="r" rtl="0">
               <a:spcBef>
                 <a:spcPts val="0"/>
               </a:spcBef>
@@ -3870,7 +4012,7 @@
             </a:pPr>
             <a:fld id="{00000000-1234-1234-1234-123412341234}" type="slidenum">
               <a:rPr lang="es-419"/>
-              <a:t>‹#›</a:t>
+              <a:t>‹Nº›</a:t>
             </a:fld>
             <a:endParaRPr/>
           </a:p>
@@ -3885,11 +4027,11 @@
 </file>
 
 <file path=ppt/slideLayouts/slideLayout8.xml><?xml version="1.0" encoding="utf-8"?>
-<p:sldLayout xmlns:a="http://schemas.openxmlformats.org/drawingml/2006/main" xmlns:r="http://schemas.openxmlformats.org/officeDocument/2006/relationships" xmlns:mc="http://schemas.openxmlformats.org/markup-compatibility/2006" xmlns:mv="urn:schemas-microsoft-com:mac:vml" xmlns:p="http://schemas.openxmlformats.org/presentationml/2006/main" xmlns:c="http://schemas.openxmlformats.org/drawingml/2006/chart" xmlns:dgm="http://schemas.openxmlformats.org/drawingml/2006/diagram" xmlns:o="urn:schemas-microsoft-com:office:office" xmlns:v="urn:schemas-microsoft-com:vml" xmlns:pvml="urn:schemas-microsoft-com:office:powerpoint" xmlns:com="http://schemas.openxmlformats.org/drawingml/2006/compatibility" xmlns:p14="http://schemas.microsoft.com/office/powerpoint/2010/main" xmlns:p15="http://schemas.microsoft.com/office/powerpoint/2012/main" xmlns:ahyp="http://schemas.microsoft.com/office/drawing/2018/hyperlinkcolor" matchingName="Section title and description">
+<p:sldLayout xmlns:a="http://schemas.openxmlformats.org/drawingml/2006/main" xmlns:r="http://schemas.openxmlformats.org/officeDocument/2006/relationships" xmlns:p="http://schemas.openxmlformats.org/presentationml/2006/main" matchingName="Section title and description">
   <p:cSld name="SECTION_TITLE_AND_DESCRIPTION">
     <p:spTree>
       <p:nvGrpSpPr>
-        <p:cNvPr id="35" name="Shape 35"/>
+        <p:cNvPr id="1" name="Shape 35"/>
         <p:cNvGrpSpPr/>
         <p:nvPr/>
       </p:nvGrpSpPr>
@@ -3923,12 +4065,12 @@
           </a:ln>
         </p:spPr>
         <p:txBody>
-          <a:bodyPr anchorCtr="0" anchor="ctr" bIns="91425" lIns="91425" spcFirstLastPara="1" rIns="91425" wrap="square" tIns="91425">
+          <a:bodyPr spcFirstLastPara="1" wrap="square" lIns="91425" tIns="91425" rIns="91425" bIns="91425" anchor="ctr" anchorCtr="0">
             <a:noAutofit/>
           </a:bodyPr>
           <a:lstStyle/>
           <a:p>
-            <a:pPr indent="0" lvl="0" marL="0" rtl="0" algn="l">
+            <a:pPr marL="0" lvl="0" indent="0" algn="l" rtl="0">
               <a:spcBef>
                 <a:spcPts val="0"/>
               </a:spcBef>
@@ -3937,9 +4079,6 @@
               </a:spcAft>
               <a:buNone/>
             </a:pPr>
-            <a:r>
-              <a:t/>
-            </a:r>
             <a:endParaRPr/>
           </a:p>
         </p:txBody>
@@ -3947,7 +4086,9 @@
       <p:sp>
         <p:nvSpPr>
           <p:cNvPr id="37" name="Google Shape;37;p9"/>
-          <p:cNvSpPr txBox="1"/>
+          <p:cNvSpPr txBox="1">
+            <a:spLocks noGrp="1"/>
+          </p:cNvSpPr>
           <p:nvPr>
             <p:ph type="title"/>
           </p:nvPr>
@@ -3962,7 +4103,7 @@
           </a:prstGeom>
         </p:spPr>
         <p:txBody>
-          <a:bodyPr anchorCtr="0" anchor="b" bIns="91425" lIns="91425" spcFirstLastPara="1" rIns="91425" wrap="square" tIns="91425">
+          <a:bodyPr spcFirstLastPara="1" wrap="square" lIns="91425" tIns="91425" rIns="91425" bIns="91425" anchor="b" anchorCtr="0">
             <a:normAutofit/>
           </a:bodyPr>
           <a:lstStyle>
@@ -4066,15 +4207,19 @@
               <a:defRPr sz="4200"/>
             </a:lvl9pPr>
           </a:lstStyle>
-          <a:p/>
+          <a:p>
+            <a:endParaRPr/>
+          </a:p>
         </p:txBody>
       </p:sp>
       <p:sp>
         <p:nvSpPr>
           <p:cNvPr id="38" name="Google Shape;38;p9"/>
-          <p:cNvSpPr txBox="1"/>
+          <p:cNvSpPr txBox="1">
+            <a:spLocks noGrp="1"/>
+          </p:cNvSpPr>
           <p:nvPr>
-            <p:ph idx="1" type="subTitle"/>
+            <p:ph type="subTitle" idx="1"/>
           </p:nvPr>
         </p:nvSpPr>
         <p:spPr>
@@ -4087,7 +4232,7 @@
           </a:prstGeom>
         </p:spPr>
         <p:txBody>
-          <a:bodyPr anchorCtr="0" anchor="t" bIns="91425" lIns="91425" spcFirstLastPara="1" rIns="91425" wrap="square" tIns="91425">
+          <a:bodyPr spcFirstLastPara="1" wrap="square" lIns="91425" tIns="91425" rIns="91425" bIns="91425" anchor="t" anchorCtr="0">
             <a:normAutofit/>
           </a:bodyPr>
           <a:lstStyle>
@@ -4218,15 +4363,19 @@
               <a:defRPr sz="2100"/>
             </a:lvl9pPr>
           </a:lstStyle>
-          <a:p/>
+          <a:p>
+            <a:endParaRPr/>
+          </a:p>
         </p:txBody>
       </p:sp>
       <p:sp>
         <p:nvSpPr>
           <p:cNvPr id="39" name="Google Shape;39;p9"/>
-          <p:cNvSpPr txBox="1"/>
+          <p:cNvSpPr txBox="1">
+            <a:spLocks noGrp="1"/>
+          </p:cNvSpPr>
           <p:nvPr>
-            <p:ph idx="2" type="body"/>
+            <p:ph type="body" idx="2"/>
           </p:nvPr>
         </p:nvSpPr>
         <p:spPr>
@@ -4239,11 +4388,11 @@
           </a:prstGeom>
         </p:spPr>
         <p:txBody>
-          <a:bodyPr anchorCtr="0" anchor="ctr" bIns="91425" lIns="91425" spcFirstLastPara="1" rIns="91425" wrap="square" tIns="91425">
+          <a:bodyPr spcFirstLastPara="1" wrap="square" lIns="91425" tIns="91425" rIns="91425" bIns="91425" anchor="ctr" anchorCtr="0">
             <a:normAutofit/>
           </a:bodyPr>
           <a:lstStyle>
-            <a:lvl1pPr indent="-342900" lvl="0" marL="457200">
+            <a:lvl1pPr marL="457200" lvl="0" indent="-342900">
               <a:spcBef>
                 <a:spcPts val="0"/>
               </a:spcBef>
@@ -4254,7 +4403,7 @@
               <a:buChar char="●"/>
               <a:defRPr/>
             </a:lvl1pPr>
-            <a:lvl2pPr indent="-317500" lvl="1" marL="914400">
+            <a:lvl2pPr marL="914400" lvl="1" indent="-317500">
               <a:spcBef>
                 <a:spcPts val="0"/>
               </a:spcBef>
@@ -4265,7 +4414,7 @@
               <a:buChar char="○"/>
               <a:defRPr/>
             </a:lvl2pPr>
-            <a:lvl3pPr indent="-317500" lvl="2" marL="1371600">
+            <a:lvl3pPr marL="1371600" lvl="2" indent="-317500">
               <a:spcBef>
                 <a:spcPts val="0"/>
               </a:spcBef>
@@ -4276,7 +4425,7 @@
               <a:buChar char="■"/>
               <a:defRPr/>
             </a:lvl3pPr>
-            <a:lvl4pPr indent="-317500" lvl="3" marL="1828800">
+            <a:lvl4pPr marL="1828800" lvl="3" indent="-317500">
               <a:spcBef>
                 <a:spcPts val="0"/>
               </a:spcBef>
@@ -4287,7 +4436,7 @@
               <a:buChar char="●"/>
               <a:defRPr/>
             </a:lvl4pPr>
-            <a:lvl5pPr indent="-317500" lvl="4" marL="2286000">
+            <a:lvl5pPr marL="2286000" lvl="4" indent="-317500">
               <a:spcBef>
                 <a:spcPts val="0"/>
               </a:spcBef>
@@ -4298,7 +4447,7 @@
               <a:buChar char="○"/>
               <a:defRPr/>
             </a:lvl5pPr>
-            <a:lvl6pPr indent="-317500" lvl="5" marL="2743200">
+            <a:lvl6pPr marL="2743200" lvl="5" indent="-317500">
               <a:spcBef>
                 <a:spcPts val="0"/>
               </a:spcBef>
@@ -4309,7 +4458,7 @@
               <a:buChar char="■"/>
               <a:defRPr/>
             </a:lvl6pPr>
-            <a:lvl7pPr indent="-317500" lvl="6" marL="3200400">
+            <a:lvl7pPr marL="3200400" lvl="6" indent="-317500">
               <a:spcBef>
                 <a:spcPts val="0"/>
               </a:spcBef>
@@ -4320,7 +4469,7 @@
               <a:buChar char="●"/>
               <a:defRPr/>
             </a:lvl7pPr>
-            <a:lvl8pPr indent="-317500" lvl="7" marL="3657600">
+            <a:lvl8pPr marL="3657600" lvl="7" indent="-317500">
               <a:spcBef>
                 <a:spcPts val="0"/>
               </a:spcBef>
@@ -4331,7 +4480,7 @@
               <a:buChar char="○"/>
               <a:defRPr/>
             </a:lvl8pPr>
-            <a:lvl9pPr indent="-317500" lvl="8" marL="4114800">
+            <a:lvl9pPr marL="4114800" lvl="8" indent="-317500">
               <a:spcBef>
                 <a:spcPts val="0"/>
               </a:spcBef>
@@ -4343,15 +4492,19 @@
               <a:defRPr/>
             </a:lvl9pPr>
           </a:lstStyle>
-          <a:p/>
+          <a:p>
+            <a:endParaRPr/>
+          </a:p>
         </p:txBody>
       </p:sp>
       <p:sp>
         <p:nvSpPr>
           <p:cNvPr id="40" name="Google Shape;40;p9"/>
-          <p:cNvSpPr txBox="1"/>
+          <p:cNvSpPr txBox="1">
+            <a:spLocks noGrp="1"/>
+          </p:cNvSpPr>
           <p:nvPr>
-            <p:ph idx="12" type="sldNum"/>
+            <p:ph type="sldNum" idx="12"/>
           </p:nvPr>
         </p:nvSpPr>
         <p:spPr>
@@ -4364,7 +4517,7 @@
           </a:prstGeom>
         </p:spPr>
         <p:txBody>
-          <a:bodyPr anchorCtr="0" anchor="ctr" bIns="91425" lIns="91425" spcFirstLastPara="1" rIns="91425" wrap="square" tIns="91425">
+          <a:bodyPr spcFirstLastPara="1" wrap="square" lIns="91425" tIns="91425" rIns="91425" bIns="91425" anchor="ctr" anchorCtr="0">
             <a:normAutofit/>
           </a:bodyPr>
           <a:lstStyle>
@@ -4406,7 +4559,7 @@
             </a:lvl9pPr>
           </a:lstStyle>
           <a:p>
-            <a:pPr indent="0" lvl="0" marL="0" rtl="0" algn="r">
+            <a:pPr marL="0" lvl="0" indent="0" algn="r" rtl="0">
               <a:spcBef>
                 <a:spcPts val="0"/>
               </a:spcBef>
@@ -4417,7 +4570,7 @@
             </a:pPr>
             <a:fld id="{00000000-1234-1234-1234-123412341234}" type="slidenum">
               <a:rPr lang="es-419"/>
-              <a:t>‹#›</a:t>
+              <a:t>‹Nº›</a:t>
             </a:fld>
             <a:endParaRPr/>
           </a:p>
@@ -4432,11 +4585,11 @@
 </file>
 
 <file path=ppt/slideLayouts/slideLayout9.xml><?xml version="1.0" encoding="utf-8"?>
-<p:sldLayout xmlns:a="http://schemas.openxmlformats.org/drawingml/2006/main" xmlns:r="http://schemas.openxmlformats.org/officeDocument/2006/relationships" xmlns:mc="http://schemas.openxmlformats.org/markup-compatibility/2006" xmlns:mv="urn:schemas-microsoft-com:mac:vml" xmlns:p="http://schemas.openxmlformats.org/presentationml/2006/main" xmlns:c="http://schemas.openxmlformats.org/drawingml/2006/chart" xmlns:dgm="http://schemas.openxmlformats.org/drawingml/2006/diagram" xmlns:o="urn:schemas-microsoft-com:office:office" xmlns:v="urn:schemas-microsoft-com:vml" xmlns:pvml="urn:schemas-microsoft-com:office:powerpoint" xmlns:com="http://schemas.openxmlformats.org/drawingml/2006/compatibility" xmlns:p14="http://schemas.microsoft.com/office/powerpoint/2010/main" xmlns:p15="http://schemas.microsoft.com/office/powerpoint/2012/main" xmlns:ahyp="http://schemas.microsoft.com/office/drawing/2018/hyperlinkcolor" matchingName="Caption">
+<p:sldLayout xmlns:a="http://schemas.openxmlformats.org/drawingml/2006/main" xmlns:r="http://schemas.openxmlformats.org/officeDocument/2006/relationships" xmlns:p="http://schemas.openxmlformats.org/presentationml/2006/main" matchingName="Caption">
   <p:cSld name="CAPTION_ONLY">
     <p:spTree>
       <p:nvGrpSpPr>
-        <p:cNvPr id="41" name="Shape 41"/>
+        <p:cNvPr id="1" name="Shape 41"/>
         <p:cNvGrpSpPr/>
         <p:nvPr/>
       </p:nvGrpSpPr>
@@ -4451,9 +4604,11 @@
       <p:sp>
         <p:nvSpPr>
           <p:cNvPr id="42" name="Google Shape;42;p10"/>
-          <p:cNvSpPr txBox="1"/>
+          <p:cNvSpPr txBox="1">
+            <a:spLocks noGrp="1"/>
+          </p:cNvSpPr>
           <p:nvPr>
-            <p:ph idx="1" type="body"/>
+            <p:ph type="body" idx="1"/>
           </p:nvPr>
         </p:nvSpPr>
         <p:spPr>
@@ -4466,11 +4621,11 @@
           </a:prstGeom>
         </p:spPr>
         <p:txBody>
-          <a:bodyPr anchorCtr="0" anchor="ctr" bIns="91425" lIns="91425" spcFirstLastPara="1" rIns="91425" wrap="square" tIns="91425">
+          <a:bodyPr spcFirstLastPara="1" wrap="square" lIns="91425" tIns="91425" rIns="91425" bIns="91425" anchor="ctr" anchorCtr="0">
             <a:normAutofit/>
           </a:bodyPr>
           <a:lstStyle>
-            <a:lvl1pPr indent="-228600" lvl="0" marL="457200">
+            <a:lvl1pPr marL="457200" lvl="0" indent="-228600">
               <a:lnSpc>
                 <a:spcPct val="100000"/>
               </a:lnSpc>
@@ -4485,15 +4640,19 @@
               <a:defRPr/>
             </a:lvl1pPr>
           </a:lstStyle>
-          <a:p/>
+          <a:p>
+            <a:endParaRPr/>
+          </a:p>
         </p:txBody>
       </p:sp>
       <p:sp>
         <p:nvSpPr>
           <p:cNvPr id="43" name="Google Shape;43;p10"/>
-          <p:cNvSpPr txBox="1"/>
+          <p:cNvSpPr txBox="1">
+            <a:spLocks noGrp="1"/>
+          </p:cNvSpPr>
           <p:nvPr>
-            <p:ph idx="12" type="sldNum"/>
+            <p:ph type="sldNum" idx="12"/>
           </p:nvPr>
         </p:nvSpPr>
         <p:spPr>
@@ -4506,7 +4665,7 @@
           </a:prstGeom>
         </p:spPr>
         <p:txBody>
-          <a:bodyPr anchorCtr="0" anchor="ctr" bIns="91425" lIns="91425" spcFirstLastPara="1" rIns="91425" wrap="square" tIns="91425">
+          <a:bodyPr spcFirstLastPara="1" wrap="square" lIns="91425" tIns="91425" rIns="91425" bIns="91425" anchor="ctr" anchorCtr="0">
             <a:normAutofit/>
           </a:bodyPr>
           <a:lstStyle>
@@ -4548,7 +4707,7 @@
             </a:lvl9pPr>
           </a:lstStyle>
           <a:p>
-            <a:pPr indent="0" lvl="0" marL="0" rtl="0" algn="r">
+            <a:pPr marL="0" lvl="0" indent="0" algn="r" rtl="0">
               <a:spcBef>
                 <a:spcPts val="0"/>
               </a:spcBef>
@@ -4559,7 +4718,7 @@
             </a:pPr>
             <a:fld id="{00000000-1234-1234-1234-123412341234}" type="slidenum">
               <a:rPr lang="es-419"/>
-              <a:t>‹#›</a:t>
+              <a:t>‹Nº›</a:t>
             </a:fld>
             <a:endParaRPr/>
           </a:p>
@@ -4574,18 +4733,19 @@
 </file>
 
 <file path=ppt/slideMasters/slideMaster1.xml><?xml version="1.0" encoding="utf-8"?>
-<p:sldMaster xmlns:a="http://schemas.openxmlformats.org/drawingml/2006/main" xmlns:r="http://schemas.openxmlformats.org/officeDocument/2006/relationships" xmlns:mc="http://schemas.openxmlformats.org/markup-compatibility/2006" xmlns:mv="urn:schemas-microsoft-com:mac:vml" xmlns:p="http://schemas.openxmlformats.org/presentationml/2006/main" xmlns:c="http://schemas.openxmlformats.org/drawingml/2006/chart" xmlns:dgm="http://schemas.openxmlformats.org/drawingml/2006/diagram" xmlns:o="urn:schemas-microsoft-com:office:office" xmlns:v="urn:schemas-microsoft-com:vml" xmlns:pvml="urn:schemas-microsoft-com:office:powerpoint" xmlns:com="http://schemas.openxmlformats.org/drawingml/2006/compatibility" xmlns:p14="http://schemas.microsoft.com/office/powerpoint/2010/main" xmlns:p15="http://schemas.microsoft.com/office/powerpoint/2012/main" xmlns:ahyp="http://schemas.microsoft.com/office/drawing/2018/hyperlinkcolor">
+<p:sldMaster xmlns:a="http://schemas.openxmlformats.org/drawingml/2006/main" xmlns:r="http://schemas.openxmlformats.org/officeDocument/2006/relationships" xmlns:p="http://schemas.openxmlformats.org/presentationml/2006/main">
   <p:cSld name="simple-light-2">
     <p:bg>
       <p:bgPr>
         <a:solidFill>
           <a:schemeClr val="lt1"/>
         </a:solidFill>
+        <a:effectLst/>
       </p:bgPr>
     </p:bg>
     <p:spTree>
       <p:nvGrpSpPr>
-        <p:cNvPr id="5" name="Shape 5"/>
+        <p:cNvPr id="1" name="Shape 5"/>
         <p:cNvGrpSpPr/>
         <p:nvPr/>
       </p:nvGrpSpPr>
@@ -4600,7 +4760,9 @@
       <p:sp>
         <p:nvSpPr>
           <p:cNvPr id="6" name="Google Shape;6;p1"/>
-          <p:cNvSpPr txBox="1"/>
+          <p:cNvSpPr txBox="1">
+            <a:spLocks noGrp="1"/>
+          </p:cNvSpPr>
           <p:nvPr>
             <p:ph type="title"/>
           </p:nvPr>
@@ -4619,7 +4781,7 @@
           </a:ln>
         </p:spPr>
         <p:txBody>
-          <a:bodyPr anchorCtr="0" anchor="t" bIns="91425" lIns="91425" spcFirstLastPara="1" rIns="91425" wrap="square" tIns="91425">
+          <a:bodyPr spcFirstLastPara="1" wrap="square" lIns="91425" tIns="91425" rIns="91425" bIns="91425" anchor="t" anchorCtr="0">
             <a:normAutofit/>
           </a:bodyPr>
           <a:lstStyle>
@@ -4786,15 +4948,19 @@
               </a:defRPr>
             </a:lvl9pPr>
           </a:lstStyle>
-          <a:p/>
+          <a:p>
+            <a:endParaRPr/>
+          </a:p>
         </p:txBody>
       </p:sp>
       <p:sp>
         <p:nvSpPr>
           <p:cNvPr id="7" name="Google Shape;7;p1"/>
-          <p:cNvSpPr txBox="1"/>
+          <p:cNvSpPr txBox="1">
+            <a:spLocks noGrp="1"/>
+          </p:cNvSpPr>
           <p:nvPr>
-            <p:ph idx="1" type="body"/>
+            <p:ph type="body" idx="1"/>
           </p:nvPr>
         </p:nvSpPr>
         <p:spPr>
@@ -4811,11 +4977,11 @@
           </a:ln>
         </p:spPr>
         <p:txBody>
-          <a:bodyPr anchorCtr="0" anchor="t" bIns="91425" lIns="91425" spcFirstLastPara="1" rIns="91425" wrap="square" tIns="91425">
+          <a:bodyPr spcFirstLastPara="1" wrap="square" lIns="91425" tIns="91425" rIns="91425" bIns="91425" anchor="t" anchorCtr="0">
             <a:normAutofit/>
           </a:bodyPr>
           <a:lstStyle>
-            <a:lvl1pPr indent="-342900" lvl="0" marL="457200">
+            <a:lvl1pPr marL="457200" lvl="0" indent="-342900">
               <a:lnSpc>
                 <a:spcPct val="115000"/>
               </a:lnSpc>
@@ -4836,7 +5002,7 @@
                 </a:solidFill>
               </a:defRPr>
             </a:lvl1pPr>
-            <a:lvl2pPr indent="-317500" lvl="1" marL="914400">
+            <a:lvl2pPr marL="914400" lvl="1" indent="-317500">
               <a:lnSpc>
                 <a:spcPct val="115000"/>
               </a:lnSpc>
@@ -4857,7 +5023,7 @@
                 </a:solidFill>
               </a:defRPr>
             </a:lvl2pPr>
-            <a:lvl3pPr indent="-317500" lvl="2" marL="1371600">
+            <a:lvl3pPr marL="1371600" lvl="2" indent="-317500">
               <a:lnSpc>
                 <a:spcPct val="115000"/>
               </a:lnSpc>
@@ -4878,7 +5044,7 @@
                 </a:solidFill>
               </a:defRPr>
             </a:lvl3pPr>
-            <a:lvl4pPr indent="-317500" lvl="3" marL="1828800">
+            <a:lvl4pPr marL="1828800" lvl="3" indent="-317500">
               <a:lnSpc>
                 <a:spcPct val="115000"/>
               </a:lnSpc>
@@ -4899,7 +5065,7 @@
                 </a:solidFill>
               </a:defRPr>
             </a:lvl4pPr>
-            <a:lvl5pPr indent="-317500" lvl="4" marL="2286000">
+            <a:lvl5pPr marL="2286000" lvl="4" indent="-317500">
               <a:lnSpc>
                 <a:spcPct val="115000"/>
               </a:lnSpc>
@@ -4920,7 +5086,7 @@
                 </a:solidFill>
               </a:defRPr>
             </a:lvl5pPr>
-            <a:lvl6pPr indent="-317500" lvl="5" marL="2743200">
+            <a:lvl6pPr marL="2743200" lvl="5" indent="-317500">
               <a:lnSpc>
                 <a:spcPct val="115000"/>
               </a:lnSpc>
@@ -4941,7 +5107,7 @@
                 </a:solidFill>
               </a:defRPr>
             </a:lvl6pPr>
-            <a:lvl7pPr indent="-317500" lvl="6" marL="3200400">
+            <a:lvl7pPr marL="3200400" lvl="6" indent="-317500">
               <a:lnSpc>
                 <a:spcPct val="115000"/>
               </a:lnSpc>
@@ -4962,7 +5128,7 @@
                 </a:solidFill>
               </a:defRPr>
             </a:lvl7pPr>
-            <a:lvl8pPr indent="-317500" lvl="7" marL="3657600">
+            <a:lvl8pPr marL="3657600" lvl="7" indent="-317500">
               <a:lnSpc>
                 <a:spcPct val="115000"/>
               </a:lnSpc>
@@ -4983,7 +5149,7 @@
                 </a:solidFill>
               </a:defRPr>
             </a:lvl8pPr>
-            <a:lvl9pPr indent="-317500" lvl="8" marL="4114800">
+            <a:lvl9pPr marL="4114800" lvl="8" indent="-317500">
               <a:lnSpc>
                 <a:spcPct val="115000"/>
               </a:lnSpc>
@@ -5005,15 +5171,19 @@
               </a:defRPr>
             </a:lvl9pPr>
           </a:lstStyle>
-          <a:p/>
+          <a:p>
+            <a:endParaRPr/>
+          </a:p>
         </p:txBody>
       </p:sp>
       <p:sp>
         <p:nvSpPr>
           <p:cNvPr id="8" name="Google Shape;8;p1"/>
-          <p:cNvSpPr txBox="1"/>
+          <p:cNvSpPr txBox="1">
+            <a:spLocks noGrp="1"/>
+          </p:cNvSpPr>
           <p:nvPr>
-            <p:ph idx="12" type="sldNum"/>
+            <p:ph type="sldNum" idx="12"/>
           </p:nvPr>
         </p:nvSpPr>
         <p:spPr>
@@ -5030,7 +5200,7 @@
           </a:ln>
         </p:spPr>
         <p:txBody>
-          <a:bodyPr anchorCtr="0" anchor="ctr" bIns="91425" lIns="91425" spcFirstLastPara="1" rIns="91425" wrap="square" tIns="91425">
+          <a:bodyPr spcFirstLastPara="1" wrap="square" lIns="91425" tIns="91425" rIns="91425" bIns="91425" anchor="ctr" anchorCtr="0">
             <a:normAutofit/>
           </a:bodyPr>
           <a:lstStyle>
@@ -5108,7 +5278,7 @@
             </a:lvl9pPr>
           </a:lstStyle>
           <a:p>
-            <a:pPr indent="0" lvl="0" marL="0" rtl="0" algn="r">
+            <a:pPr marL="0" lvl="0" indent="0" algn="r" rtl="0">
               <a:spcBef>
                 <a:spcPts val="0"/>
               </a:spcBef>
@@ -5119,7 +5289,7 @@
             </a:pPr>
             <a:fld id="{00000000-1234-1234-1234-123412341234}" type="slidenum">
               <a:rPr lang="es-419"/>
-              <a:t>‹#›</a:t>
+              <a:t>‹Nº›</a:t>
             </a:fld>
             <a:endParaRPr/>
           </a:p>
@@ -5127,7 +5297,7 @@
       </p:sp>
     </p:spTree>
   </p:cSld>
-  <p:clrMap accent1="accent1" accent2="accent2" accent3="accent3" accent4="accent4" accent5="accent5" accent6="accent6" bg1="lt1" bg2="dk2" tx1="dk1" tx2="lt2" folHlink="folHlink" hlink="hlink"/>
+  <p:clrMap bg1="lt1" tx1="dk1" bg2="dk2" tx2="lt2" accent1="accent1" accent2="accent2" accent3="accent3" accent4="accent4" accent5="accent5" accent6="accent6" hlink="hlink" folHlink="folHlink"/>
   <p:sldLayoutIdLst>
     <p:sldLayoutId id="2147483648" r:id="rId1"/>
     <p:sldLayoutId id="2147483649" r:id="rId2"/>
@@ -5141,10 +5311,10 @@
     <p:sldLayoutId id="2147483657" r:id="rId10"/>
     <p:sldLayoutId id="2147483658" r:id="rId11"/>
   </p:sldLayoutIdLst>
-  <p:hf dt="0" ftr="0" hdr="0" sldNum="0"/>
+  <p:hf sldNum="0" hdr="0" ftr="0" dt="0"/>
   <p:txStyles>
     <p:titleStyle>
-      <a:defPPr lvl="0" marR="0" rtl="0" algn="l">
+      <a:defPPr marR="0" lvl="0" algn="l" rtl="0">
         <a:lnSpc>
           <a:spcPct val="100000"/>
         </a:lnSpc>
@@ -5155,7 +5325,7 @@
           <a:spcPts val="0"/>
         </a:spcAft>
       </a:defPPr>
-      <a:lvl1pPr lvl="0" marR="0" rtl="0" algn="l">
+      <a:lvl1pPr marR="0" lvl="0" algn="l" rtl="0">
         <a:lnSpc>
           <a:spcPct val="100000"/>
         </a:lnSpc>
@@ -5169,7 +5339,7 @@
           <a:srgbClr val="000000"/>
         </a:buClr>
         <a:buFont typeface="Arial"/>
-        <a:defRPr b="0" i="0" sz="1400" u="none" cap="none" strike="noStrike">
+        <a:defRPr sz="1400" b="0" i="0" u="none" strike="noStrike" cap="none">
           <a:solidFill>
             <a:srgbClr val="000000"/>
           </a:solidFill>
@@ -5179,7 +5349,7 @@
           <a:sym typeface="Arial"/>
         </a:defRPr>
       </a:lvl1pPr>
-      <a:lvl2pPr lvl="1" marR="0" rtl="0" algn="l">
+      <a:lvl2pPr marR="0" lvl="1" algn="l" rtl="0">
         <a:lnSpc>
           <a:spcPct val="100000"/>
         </a:lnSpc>
@@ -5193,7 +5363,7 @@
           <a:srgbClr val="000000"/>
         </a:buClr>
         <a:buFont typeface="Arial"/>
-        <a:defRPr b="0" i="0" sz="1400" u="none" cap="none" strike="noStrike">
+        <a:defRPr sz="1400" b="0" i="0" u="none" strike="noStrike" cap="none">
           <a:solidFill>
             <a:srgbClr val="000000"/>
           </a:solidFill>
@@ -5203,7 +5373,7 @@
           <a:sym typeface="Arial"/>
         </a:defRPr>
       </a:lvl2pPr>
-      <a:lvl3pPr lvl="2" marR="0" rtl="0" algn="l">
+      <a:lvl3pPr marR="0" lvl="2" algn="l" rtl="0">
         <a:lnSpc>
           <a:spcPct val="100000"/>
         </a:lnSpc>
@@ -5217,7 +5387,7 @@
           <a:srgbClr val="000000"/>
         </a:buClr>
         <a:buFont typeface="Arial"/>
-        <a:defRPr b="0" i="0" sz="1400" u="none" cap="none" strike="noStrike">
+        <a:defRPr sz="1400" b="0" i="0" u="none" strike="noStrike" cap="none">
           <a:solidFill>
             <a:srgbClr val="000000"/>
           </a:solidFill>
@@ -5227,7 +5397,7 @@
           <a:sym typeface="Arial"/>
         </a:defRPr>
       </a:lvl3pPr>
-      <a:lvl4pPr lvl="3" marR="0" rtl="0" algn="l">
+      <a:lvl4pPr marR="0" lvl="3" algn="l" rtl="0">
         <a:lnSpc>
           <a:spcPct val="100000"/>
         </a:lnSpc>
@@ -5241,7 +5411,7 @@
           <a:srgbClr val="000000"/>
         </a:buClr>
         <a:buFont typeface="Arial"/>
-        <a:defRPr b="0" i="0" sz="1400" u="none" cap="none" strike="noStrike">
+        <a:defRPr sz="1400" b="0" i="0" u="none" strike="noStrike" cap="none">
           <a:solidFill>
             <a:srgbClr val="000000"/>
           </a:solidFill>
@@ -5251,7 +5421,7 @@
           <a:sym typeface="Arial"/>
         </a:defRPr>
       </a:lvl4pPr>
-      <a:lvl5pPr lvl="4" marR="0" rtl="0" algn="l">
+      <a:lvl5pPr marR="0" lvl="4" algn="l" rtl="0">
         <a:lnSpc>
           <a:spcPct val="100000"/>
         </a:lnSpc>
@@ -5265,7 +5435,7 @@
           <a:srgbClr val="000000"/>
         </a:buClr>
         <a:buFont typeface="Arial"/>
-        <a:defRPr b="0" i="0" sz="1400" u="none" cap="none" strike="noStrike">
+        <a:defRPr sz="1400" b="0" i="0" u="none" strike="noStrike" cap="none">
           <a:solidFill>
             <a:srgbClr val="000000"/>
           </a:solidFill>
@@ -5275,7 +5445,7 @@
           <a:sym typeface="Arial"/>
         </a:defRPr>
       </a:lvl5pPr>
-      <a:lvl6pPr lvl="5" marR="0" rtl="0" algn="l">
+      <a:lvl6pPr marR="0" lvl="5" algn="l" rtl="0">
         <a:lnSpc>
           <a:spcPct val="100000"/>
         </a:lnSpc>
@@ -5289,7 +5459,7 @@
           <a:srgbClr val="000000"/>
         </a:buClr>
         <a:buFont typeface="Arial"/>
-        <a:defRPr b="0" i="0" sz="1400" u="none" cap="none" strike="noStrike">
+        <a:defRPr sz="1400" b="0" i="0" u="none" strike="noStrike" cap="none">
           <a:solidFill>
             <a:srgbClr val="000000"/>
           </a:solidFill>
@@ -5299,7 +5469,7 @@
           <a:sym typeface="Arial"/>
         </a:defRPr>
       </a:lvl6pPr>
-      <a:lvl7pPr lvl="6" marR="0" rtl="0" algn="l">
+      <a:lvl7pPr marR="0" lvl="6" algn="l" rtl="0">
         <a:lnSpc>
           <a:spcPct val="100000"/>
         </a:lnSpc>
@@ -5313,7 +5483,7 @@
           <a:srgbClr val="000000"/>
         </a:buClr>
         <a:buFont typeface="Arial"/>
-        <a:defRPr b="0" i="0" sz="1400" u="none" cap="none" strike="noStrike">
+        <a:defRPr sz="1400" b="0" i="0" u="none" strike="noStrike" cap="none">
           <a:solidFill>
             <a:srgbClr val="000000"/>
           </a:solidFill>
@@ -5323,7 +5493,7 @@
           <a:sym typeface="Arial"/>
         </a:defRPr>
       </a:lvl7pPr>
-      <a:lvl8pPr lvl="7" marR="0" rtl="0" algn="l">
+      <a:lvl8pPr marR="0" lvl="7" algn="l" rtl="0">
         <a:lnSpc>
           <a:spcPct val="100000"/>
         </a:lnSpc>
@@ -5337,7 +5507,7 @@
           <a:srgbClr val="000000"/>
         </a:buClr>
         <a:buFont typeface="Arial"/>
-        <a:defRPr b="0" i="0" sz="1400" u="none" cap="none" strike="noStrike">
+        <a:defRPr sz="1400" b="0" i="0" u="none" strike="noStrike" cap="none">
           <a:solidFill>
             <a:srgbClr val="000000"/>
           </a:solidFill>
@@ -5347,7 +5517,7 @@
           <a:sym typeface="Arial"/>
         </a:defRPr>
       </a:lvl8pPr>
-      <a:lvl9pPr lvl="8" marR="0" rtl="0" algn="l">
+      <a:lvl9pPr marR="0" lvl="8" algn="l" rtl="0">
         <a:lnSpc>
           <a:spcPct val="100000"/>
         </a:lnSpc>
@@ -5361,7 +5531,7 @@
           <a:srgbClr val="000000"/>
         </a:buClr>
         <a:buFont typeface="Arial"/>
-        <a:defRPr b="0" i="0" sz="1400" u="none" cap="none" strike="noStrike">
+        <a:defRPr sz="1400" b="0" i="0" u="none" strike="noStrike" cap="none">
           <a:solidFill>
             <a:srgbClr val="000000"/>
           </a:solidFill>
@@ -5373,7 +5543,7 @@
       </a:lvl9pPr>
     </p:titleStyle>
     <p:bodyStyle>
-      <a:defPPr lvl="0" marR="0" rtl="0" algn="l">
+      <a:defPPr marR="0" lvl="0" algn="l" rtl="0">
         <a:lnSpc>
           <a:spcPct val="100000"/>
         </a:lnSpc>
@@ -5384,7 +5554,7 @@
           <a:spcPts val="0"/>
         </a:spcAft>
       </a:defPPr>
-      <a:lvl1pPr lvl="0" marR="0" rtl="0" algn="l">
+      <a:lvl1pPr marR="0" lvl="0" algn="l" rtl="0">
         <a:lnSpc>
           <a:spcPct val="100000"/>
         </a:lnSpc>
@@ -5398,7 +5568,7 @@
           <a:srgbClr val="000000"/>
         </a:buClr>
         <a:buFont typeface="Arial"/>
-        <a:defRPr b="0" i="0" sz="1400" u="none" cap="none" strike="noStrike">
+        <a:defRPr sz="1400" b="0" i="0" u="none" strike="noStrike" cap="none">
           <a:solidFill>
             <a:srgbClr val="000000"/>
           </a:solidFill>
@@ -5408,7 +5578,7 @@
           <a:sym typeface="Arial"/>
         </a:defRPr>
       </a:lvl1pPr>
-      <a:lvl2pPr lvl="1" marR="0" rtl="0" algn="l">
+      <a:lvl2pPr marR="0" lvl="1" algn="l" rtl="0">
         <a:lnSpc>
           <a:spcPct val="100000"/>
         </a:lnSpc>
@@ -5422,7 +5592,7 @@
           <a:srgbClr val="000000"/>
         </a:buClr>
         <a:buFont typeface="Arial"/>
-        <a:defRPr b="0" i="0" sz="1400" u="none" cap="none" strike="noStrike">
+        <a:defRPr sz="1400" b="0" i="0" u="none" strike="noStrike" cap="none">
           <a:solidFill>
             <a:srgbClr val="000000"/>
           </a:solidFill>
@@ -5432,7 +5602,7 @@
           <a:sym typeface="Arial"/>
         </a:defRPr>
       </a:lvl2pPr>
-      <a:lvl3pPr lvl="2" marR="0" rtl="0" algn="l">
+      <a:lvl3pPr marR="0" lvl="2" algn="l" rtl="0">
         <a:lnSpc>
           <a:spcPct val="100000"/>
         </a:lnSpc>
@@ -5446,7 +5616,7 @@
           <a:srgbClr val="000000"/>
         </a:buClr>
         <a:buFont typeface="Arial"/>
-        <a:defRPr b="0" i="0" sz="1400" u="none" cap="none" strike="noStrike">
+        <a:defRPr sz="1400" b="0" i="0" u="none" strike="noStrike" cap="none">
           <a:solidFill>
             <a:srgbClr val="000000"/>
           </a:solidFill>
@@ -5456,7 +5626,7 @@
           <a:sym typeface="Arial"/>
         </a:defRPr>
       </a:lvl3pPr>
-      <a:lvl4pPr lvl="3" marR="0" rtl="0" algn="l">
+      <a:lvl4pPr marR="0" lvl="3" algn="l" rtl="0">
         <a:lnSpc>
           <a:spcPct val="100000"/>
         </a:lnSpc>
@@ -5470,7 +5640,7 @@
           <a:srgbClr val="000000"/>
         </a:buClr>
         <a:buFont typeface="Arial"/>
-        <a:defRPr b="0" i="0" sz="1400" u="none" cap="none" strike="noStrike">
+        <a:defRPr sz="1400" b="0" i="0" u="none" strike="noStrike" cap="none">
           <a:solidFill>
             <a:srgbClr val="000000"/>
           </a:solidFill>
@@ -5480,7 +5650,7 @@
           <a:sym typeface="Arial"/>
         </a:defRPr>
       </a:lvl4pPr>
-      <a:lvl5pPr lvl="4" marR="0" rtl="0" algn="l">
+      <a:lvl5pPr marR="0" lvl="4" algn="l" rtl="0">
         <a:lnSpc>
           <a:spcPct val="100000"/>
         </a:lnSpc>
@@ -5494,7 +5664,7 @@
           <a:srgbClr val="000000"/>
         </a:buClr>
         <a:buFont typeface="Arial"/>
-        <a:defRPr b="0" i="0" sz="1400" u="none" cap="none" strike="noStrike">
+        <a:defRPr sz="1400" b="0" i="0" u="none" strike="noStrike" cap="none">
           <a:solidFill>
             <a:srgbClr val="000000"/>
           </a:solidFill>
@@ -5504,7 +5674,7 @@
           <a:sym typeface="Arial"/>
         </a:defRPr>
       </a:lvl5pPr>
-      <a:lvl6pPr lvl="5" marR="0" rtl="0" algn="l">
+      <a:lvl6pPr marR="0" lvl="5" algn="l" rtl="0">
         <a:lnSpc>
           <a:spcPct val="100000"/>
         </a:lnSpc>
@@ -5518,7 +5688,7 @@
           <a:srgbClr val="000000"/>
         </a:buClr>
         <a:buFont typeface="Arial"/>
-        <a:defRPr b="0" i="0" sz="1400" u="none" cap="none" strike="noStrike">
+        <a:defRPr sz="1400" b="0" i="0" u="none" strike="noStrike" cap="none">
           <a:solidFill>
             <a:srgbClr val="000000"/>
           </a:solidFill>
@@ -5528,7 +5698,7 @@
           <a:sym typeface="Arial"/>
         </a:defRPr>
       </a:lvl6pPr>
-      <a:lvl7pPr lvl="6" marR="0" rtl="0" algn="l">
+      <a:lvl7pPr marR="0" lvl="6" algn="l" rtl="0">
         <a:lnSpc>
           <a:spcPct val="100000"/>
         </a:lnSpc>
@@ -5542,7 +5712,7 @@
           <a:srgbClr val="000000"/>
         </a:buClr>
         <a:buFont typeface="Arial"/>
-        <a:defRPr b="0" i="0" sz="1400" u="none" cap="none" strike="noStrike">
+        <a:defRPr sz="1400" b="0" i="0" u="none" strike="noStrike" cap="none">
           <a:solidFill>
             <a:srgbClr val="000000"/>
           </a:solidFill>
@@ -5552,7 +5722,7 @@
           <a:sym typeface="Arial"/>
         </a:defRPr>
       </a:lvl7pPr>
-      <a:lvl8pPr lvl="7" marR="0" rtl="0" algn="l">
+      <a:lvl8pPr marR="0" lvl="7" algn="l" rtl="0">
         <a:lnSpc>
           <a:spcPct val="100000"/>
         </a:lnSpc>
@@ -5566,7 +5736,7 @@
           <a:srgbClr val="000000"/>
         </a:buClr>
         <a:buFont typeface="Arial"/>
-        <a:defRPr b="0" i="0" sz="1400" u="none" cap="none" strike="noStrike">
+        <a:defRPr sz="1400" b="0" i="0" u="none" strike="noStrike" cap="none">
           <a:solidFill>
             <a:srgbClr val="000000"/>
           </a:solidFill>
@@ -5576,7 +5746,7 @@
           <a:sym typeface="Arial"/>
         </a:defRPr>
       </a:lvl8pPr>
-      <a:lvl9pPr lvl="8" marR="0" rtl="0" algn="l">
+      <a:lvl9pPr marR="0" lvl="8" algn="l" rtl="0">
         <a:lnSpc>
           <a:spcPct val="100000"/>
         </a:lnSpc>
@@ -5590,7 +5760,7 @@
           <a:srgbClr val="000000"/>
         </a:buClr>
         <a:buFont typeface="Arial"/>
-        <a:defRPr b="0" i="0" sz="1400" u="none" cap="none" strike="noStrike">
+        <a:defRPr sz="1400" b="0" i="0" u="none" strike="noStrike" cap="none">
           <a:solidFill>
             <a:srgbClr val="000000"/>
           </a:solidFill>
@@ -5602,7 +5772,7 @@
       </a:lvl9pPr>
     </p:bodyStyle>
     <p:otherStyle>
-      <a:defPPr lvl="0" marR="0" rtl="0" algn="l">
+      <a:defPPr marR="0" lvl="0" algn="l" rtl="0">
         <a:lnSpc>
           <a:spcPct val="100000"/>
         </a:lnSpc>
@@ -5613,7 +5783,7 @@
           <a:spcPts val="0"/>
         </a:spcAft>
       </a:defPPr>
-      <a:lvl1pPr lvl="0" marR="0" rtl="0" algn="l">
+      <a:lvl1pPr marR="0" lvl="0" algn="l" rtl="0">
         <a:lnSpc>
           <a:spcPct val="100000"/>
         </a:lnSpc>
@@ -5627,7 +5797,7 @@
           <a:srgbClr val="000000"/>
         </a:buClr>
         <a:buFont typeface="Arial"/>
-        <a:defRPr b="0" i="0" sz="1400" u="none" cap="none" strike="noStrike">
+        <a:defRPr sz="1400" b="0" i="0" u="none" strike="noStrike" cap="none">
           <a:solidFill>
             <a:srgbClr val="000000"/>
           </a:solidFill>
@@ -5637,7 +5807,7 @@
           <a:sym typeface="Arial"/>
         </a:defRPr>
       </a:lvl1pPr>
-      <a:lvl2pPr lvl="1" marR="0" rtl="0" algn="l">
+      <a:lvl2pPr marR="0" lvl="1" algn="l" rtl="0">
         <a:lnSpc>
           <a:spcPct val="100000"/>
         </a:lnSpc>
@@ -5651,7 +5821,7 @@
           <a:srgbClr val="000000"/>
         </a:buClr>
         <a:buFont typeface="Arial"/>
-        <a:defRPr b="0" i="0" sz="1400" u="none" cap="none" strike="noStrike">
+        <a:defRPr sz="1400" b="0" i="0" u="none" strike="noStrike" cap="none">
           <a:solidFill>
             <a:srgbClr val="000000"/>
           </a:solidFill>
@@ -5661,7 +5831,7 @@
           <a:sym typeface="Arial"/>
         </a:defRPr>
       </a:lvl2pPr>
-      <a:lvl3pPr lvl="2" marR="0" rtl="0" algn="l">
+      <a:lvl3pPr marR="0" lvl="2" algn="l" rtl="0">
         <a:lnSpc>
           <a:spcPct val="100000"/>
         </a:lnSpc>
@@ -5675,7 +5845,7 @@
           <a:srgbClr val="000000"/>
         </a:buClr>
         <a:buFont typeface="Arial"/>
-        <a:defRPr b="0" i="0" sz="1400" u="none" cap="none" strike="noStrike">
+        <a:defRPr sz="1400" b="0" i="0" u="none" strike="noStrike" cap="none">
           <a:solidFill>
             <a:srgbClr val="000000"/>
           </a:solidFill>
@@ -5685,7 +5855,7 @@
           <a:sym typeface="Arial"/>
         </a:defRPr>
       </a:lvl3pPr>
-      <a:lvl4pPr lvl="3" marR="0" rtl="0" algn="l">
+      <a:lvl4pPr marR="0" lvl="3" algn="l" rtl="0">
         <a:lnSpc>
           <a:spcPct val="100000"/>
         </a:lnSpc>
@@ -5699,7 +5869,7 @@
           <a:srgbClr val="000000"/>
         </a:buClr>
         <a:buFont typeface="Arial"/>
-        <a:defRPr b="0" i="0" sz="1400" u="none" cap="none" strike="noStrike">
+        <a:defRPr sz="1400" b="0" i="0" u="none" strike="noStrike" cap="none">
           <a:solidFill>
             <a:srgbClr val="000000"/>
           </a:solidFill>
@@ -5709,7 +5879,7 @@
           <a:sym typeface="Arial"/>
         </a:defRPr>
       </a:lvl4pPr>
-      <a:lvl5pPr lvl="4" marR="0" rtl="0" algn="l">
+      <a:lvl5pPr marR="0" lvl="4" algn="l" rtl="0">
         <a:lnSpc>
           <a:spcPct val="100000"/>
         </a:lnSpc>
@@ -5723,7 +5893,7 @@
           <a:srgbClr val="000000"/>
         </a:buClr>
         <a:buFont typeface="Arial"/>
-        <a:defRPr b="0" i="0" sz="1400" u="none" cap="none" strike="noStrike">
+        <a:defRPr sz="1400" b="0" i="0" u="none" strike="noStrike" cap="none">
           <a:solidFill>
             <a:srgbClr val="000000"/>
           </a:solidFill>
@@ -5733,7 +5903,7 @@
           <a:sym typeface="Arial"/>
         </a:defRPr>
       </a:lvl5pPr>
-      <a:lvl6pPr lvl="5" marR="0" rtl="0" algn="l">
+      <a:lvl6pPr marR="0" lvl="5" algn="l" rtl="0">
         <a:lnSpc>
           <a:spcPct val="100000"/>
         </a:lnSpc>
@@ -5747,7 +5917,7 @@
           <a:srgbClr val="000000"/>
         </a:buClr>
         <a:buFont typeface="Arial"/>
-        <a:defRPr b="0" i="0" sz="1400" u="none" cap="none" strike="noStrike">
+        <a:defRPr sz="1400" b="0" i="0" u="none" strike="noStrike" cap="none">
           <a:solidFill>
             <a:srgbClr val="000000"/>
           </a:solidFill>
@@ -5757,7 +5927,7 @@
           <a:sym typeface="Arial"/>
         </a:defRPr>
       </a:lvl6pPr>
-      <a:lvl7pPr lvl="6" marR="0" rtl="0" algn="l">
+      <a:lvl7pPr marR="0" lvl="6" algn="l" rtl="0">
         <a:lnSpc>
           <a:spcPct val="100000"/>
         </a:lnSpc>
@@ -5771,7 +5941,7 @@
           <a:srgbClr val="000000"/>
         </a:buClr>
         <a:buFont typeface="Arial"/>
-        <a:defRPr b="0" i="0" sz="1400" u="none" cap="none" strike="noStrike">
+        <a:defRPr sz="1400" b="0" i="0" u="none" strike="noStrike" cap="none">
           <a:solidFill>
             <a:srgbClr val="000000"/>
           </a:solidFill>
@@ -5781,7 +5951,7 @@
           <a:sym typeface="Arial"/>
         </a:defRPr>
       </a:lvl7pPr>
-      <a:lvl8pPr lvl="7" marR="0" rtl="0" algn="l">
+      <a:lvl8pPr marR="0" lvl="7" algn="l" rtl="0">
         <a:lnSpc>
           <a:spcPct val="100000"/>
         </a:lnSpc>
@@ -5795,7 +5965,7 @@
           <a:srgbClr val="000000"/>
         </a:buClr>
         <a:buFont typeface="Arial"/>
-        <a:defRPr b="0" i="0" sz="1400" u="none" cap="none" strike="noStrike">
+        <a:defRPr sz="1400" b="0" i="0" u="none" strike="noStrike" cap="none">
           <a:solidFill>
             <a:srgbClr val="000000"/>
           </a:solidFill>
@@ -5805,7 +5975,7 @@
           <a:sym typeface="Arial"/>
         </a:defRPr>
       </a:lvl8pPr>
-      <a:lvl9pPr lvl="8" marR="0" rtl="0" algn="l">
+      <a:lvl9pPr marR="0" lvl="8" algn="l" rtl="0">
         <a:lnSpc>
           <a:spcPct val="100000"/>
         </a:lnSpc>
@@ -5819,7 +5989,7 @@
           <a:srgbClr val="000000"/>
         </a:buClr>
         <a:buFont typeface="Arial"/>
-        <a:defRPr b="0" i="0" sz="1400" u="none" cap="none" strike="noStrike">
+        <a:defRPr sz="1400" b="0" i="0" u="none" strike="noStrike" cap="none">
           <a:solidFill>
             <a:srgbClr val="000000"/>
           </a:solidFill>
@@ -5835,7 +6005,7 @@
 </file>
 
 <file path=ppt/slides/slide1.xml><?xml version="1.0" encoding="utf-8"?>
-<p:sld xmlns:a="http://schemas.openxmlformats.org/drawingml/2006/main" xmlns:r="http://schemas.openxmlformats.org/officeDocument/2006/relationships" xmlns:mc="http://schemas.openxmlformats.org/markup-compatibility/2006" xmlns:mv="urn:schemas-microsoft-com:mac:vml" xmlns:p="http://schemas.openxmlformats.org/presentationml/2006/main" xmlns:c="http://schemas.openxmlformats.org/drawingml/2006/chart" xmlns:dgm="http://schemas.openxmlformats.org/drawingml/2006/diagram" xmlns:o="urn:schemas-microsoft-com:office:office" xmlns:v="urn:schemas-microsoft-com:vml" xmlns:pvml="urn:schemas-microsoft-com:office:powerpoint" xmlns:com="http://schemas.openxmlformats.org/drawingml/2006/compatibility" xmlns:p14="http://schemas.microsoft.com/office/powerpoint/2010/main" xmlns:p15="http://schemas.microsoft.com/office/powerpoint/2012/main" xmlns:ahyp="http://schemas.microsoft.com/office/drawing/2018/hyperlinkcolor">
+<p:sld xmlns:a="http://schemas.openxmlformats.org/drawingml/2006/main" xmlns:r="http://schemas.openxmlformats.org/officeDocument/2006/relationships" xmlns:p="http://schemas.openxmlformats.org/presentationml/2006/main">
   <p:cSld>
     <p:bg>
       <p:bgPr>
@@ -5847,11 +6017,12 @@
             <a:fillRect/>
           </a:stretch>
         </a:blipFill>
+        <a:effectLst/>
       </p:bgPr>
     </p:bg>
     <p:spTree>
       <p:nvGrpSpPr>
-        <p:cNvPr id="53" name="Shape 53"/>
+        <p:cNvPr id="1" name="Shape 53"/>
         <p:cNvGrpSpPr/>
         <p:nvPr/>
       </p:nvGrpSpPr>
@@ -5866,9 +6037,11 @@
       <p:sp>
         <p:nvSpPr>
           <p:cNvPr id="54" name="Google Shape;54;p13"/>
-          <p:cNvSpPr txBox="1"/>
+          <p:cNvSpPr txBox="1">
+            <a:spLocks noGrp="1"/>
+          </p:cNvSpPr>
           <p:nvPr>
-            <p:ph idx="1" type="subTitle"/>
+            <p:ph type="subTitle" idx="1"/>
           </p:nvPr>
         </p:nvSpPr>
         <p:spPr>
@@ -5881,12 +6054,12 @@
           </a:prstGeom>
         </p:spPr>
         <p:txBody>
-          <a:bodyPr anchorCtr="0" anchor="t" bIns="91425" lIns="91425" spcFirstLastPara="1" rIns="91425" wrap="square" tIns="91425">
+          <a:bodyPr spcFirstLastPara="1" wrap="square" lIns="91425" tIns="91425" rIns="91425" bIns="91425" anchor="t" anchorCtr="0">
             <a:noAutofit/>
           </a:bodyPr>
           <a:lstStyle/>
           <a:p>
-            <a:pPr indent="0" lvl="0" marL="0" rtl="0" algn="ctr">
+            <a:pPr marL="0" lvl="0" indent="0" algn="ctr" rtl="0">
               <a:spcBef>
                 <a:spcPts val="0"/>
               </a:spcBef>
@@ -5937,12 +6110,12 @@
           </a:ln>
         </p:spPr>
         <p:txBody>
-          <a:bodyPr anchorCtr="0" anchor="t" bIns="91425" lIns="91425" spcFirstLastPara="1" rIns="91425" wrap="square" tIns="91425">
+          <a:bodyPr spcFirstLastPara="1" wrap="square" lIns="91425" tIns="91425" rIns="91425" bIns="91425" anchor="t" anchorCtr="0">
             <a:spAutoFit/>
           </a:bodyPr>
           <a:lstStyle/>
           <a:p>
-            <a:pPr indent="0" lvl="0" marL="0" rtl="0" algn="l">
+            <a:pPr marL="0" lvl="0" indent="0" algn="l" rtl="0">
               <a:spcBef>
                 <a:spcPts val="0"/>
               </a:spcBef>
@@ -5972,15 +6145,22 @@
   <p:clrMapOvr>
     <a:masterClrMapping/>
   </p:clrMapOvr>
+  <p:timing>
+    <p:tnLst>
+      <p:par>
+        <p:cTn id="1" dur="indefinite" restart="never" nodeType="tmRoot"/>
+      </p:par>
+    </p:tnLst>
+  </p:timing>
 </p:sld>
 </file>
 
 <file path=ppt/slides/slide2.xml><?xml version="1.0" encoding="utf-8"?>
-<p:sld xmlns:a="http://schemas.openxmlformats.org/drawingml/2006/main" xmlns:r="http://schemas.openxmlformats.org/officeDocument/2006/relationships" xmlns:mc="http://schemas.openxmlformats.org/markup-compatibility/2006" xmlns:mv="urn:schemas-microsoft-com:mac:vml" xmlns:p="http://schemas.openxmlformats.org/presentationml/2006/main" xmlns:c="http://schemas.openxmlformats.org/drawingml/2006/chart" xmlns:dgm="http://schemas.openxmlformats.org/drawingml/2006/diagram" xmlns:o="urn:schemas-microsoft-com:office:office" xmlns:v="urn:schemas-microsoft-com:vml" xmlns:pvml="urn:schemas-microsoft-com:office:powerpoint" xmlns:com="http://schemas.openxmlformats.org/drawingml/2006/compatibility" xmlns:p14="http://schemas.microsoft.com/office/powerpoint/2010/main" xmlns:p15="http://schemas.microsoft.com/office/powerpoint/2012/main" xmlns:ahyp="http://schemas.microsoft.com/office/drawing/2018/hyperlinkcolor">
+<p:sld xmlns:a="http://schemas.openxmlformats.org/drawingml/2006/main" xmlns:r="http://schemas.openxmlformats.org/officeDocument/2006/relationships" xmlns:p="http://schemas.openxmlformats.org/presentationml/2006/main">
   <p:cSld>
     <p:spTree>
       <p:nvGrpSpPr>
-        <p:cNvPr id="59" name="Shape 59"/>
+        <p:cNvPr id="1" name="Shape 59"/>
         <p:cNvGrpSpPr/>
         <p:nvPr/>
       </p:nvGrpSpPr>
@@ -5995,7 +6175,9 @@
       <p:sp>
         <p:nvSpPr>
           <p:cNvPr id="60" name="Google Shape;60;p14"/>
-          <p:cNvSpPr txBox="1"/>
+          <p:cNvSpPr txBox="1">
+            <a:spLocks noGrp="1"/>
+          </p:cNvSpPr>
           <p:nvPr>
             <p:ph type="title"/>
           </p:nvPr>
@@ -6010,12 +6192,12 @@
           </a:prstGeom>
         </p:spPr>
         <p:txBody>
-          <a:bodyPr anchorCtr="0" anchor="t" bIns="91425" lIns="91425" spcFirstLastPara="1" rIns="91425" wrap="square" tIns="91425">
+          <a:bodyPr spcFirstLastPara="1" wrap="square" lIns="91425" tIns="91425" rIns="91425" bIns="91425" anchor="t" anchorCtr="0">
             <a:noAutofit/>
           </a:bodyPr>
           <a:lstStyle/>
           <a:p>
-            <a:pPr indent="0" lvl="0" marL="0" rtl="0" algn="l">
+            <a:pPr marL="0" lvl="0" indent="0" algn="l" rtl="0">
               <a:spcBef>
                 <a:spcPts val="0"/>
               </a:spcBef>
@@ -6036,9 +6218,11 @@
       <p:sp>
         <p:nvSpPr>
           <p:cNvPr id="61" name="Google Shape;61;p14"/>
-          <p:cNvSpPr txBox="1"/>
+          <p:cNvSpPr txBox="1">
+            <a:spLocks noGrp="1"/>
+          </p:cNvSpPr>
           <p:nvPr>
-            <p:ph idx="1" type="body"/>
+            <p:ph type="body" idx="1"/>
           </p:nvPr>
         </p:nvSpPr>
         <p:spPr>
@@ -6051,12 +6235,12 @@
           </a:prstGeom>
         </p:spPr>
         <p:txBody>
-          <a:bodyPr anchorCtr="0" anchor="t" bIns="91425" lIns="91425" spcFirstLastPara="1" rIns="91425" wrap="square" tIns="91425">
+          <a:bodyPr spcFirstLastPara="1" wrap="square" lIns="91425" tIns="91425" rIns="91425" bIns="91425" anchor="t" anchorCtr="0">
             <a:noAutofit/>
           </a:bodyPr>
           <a:lstStyle/>
           <a:p>
-            <a:pPr indent="0" lvl="0" marL="0" rtl="0" algn="l">
+            <a:pPr marL="0" lvl="0" indent="0" algn="l" rtl="0">
               <a:spcBef>
                 <a:spcPts val="0"/>
               </a:spcBef>
@@ -6068,11 +6252,7 @@
             </a:pPr>
             <a:r>
               <a:rPr lang="es-419" sz="1629"/>
-              <a:t> </a:t>
-            </a:r>
-            <a:r>
-              <a:rPr lang="es-419" sz="1629"/>
-              <a:t>El objetivo de esta </a:t>
+              <a:t> El objetivo de esta </a:t>
             </a:r>
             <a:r>
               <a:rPr lang="es-419" sz="1629">
@@ -6080,15 +6260,7 @@
                   <a:srgbClr val="9900FF"/>
                 </a:solidFill>
               </a:rPr>
-              <a:t>aplicación</a:t>
-            </a:r>
-            <a:r>
-              <a:rPr lang="es-419" sz="1629">
-                <a:solidFill>
-                  <a:srgbClr val="9900FF"/>
-                </a:solidFill>
-              </a:rPr>
-              <a:t> web</a:t>
+              <a:t>aplicación web</a:t>
             </a:r>
             <a:r>
               <a:rPr lang="es-419" sz="1629"/>
@@ -6104,28 +6276,12 @@
             </a:r>
             <a:r>
               <a:rPr lang="es-419" sz="1629"/>
-              <a:t> Tiene como objetivo que las personas residentes en Argentina con el objetivo de preparar a la persona para obtener su licencia de conducir, y </a:t>
-            </a:r>
-            <a:r>
-              <a:rPr lang="es-419" sz="1629"/>
-              <a:t>también</a:t>
-            </a:r>
-            <a:r>
-              <a:rPr lang="es-419" sz="1629"/>
-              <a:t> poder aprender sobre la </a:t>
-            </a:r>
-            <a:r>
-              <a:rPr lang="es-419" sz="1629"/>
-              <a:t>temática</a:t>
-            </a:r>
-            <a:r>
-              <a:rPr lang="es-419" sz="1629"/>
-              <a:t> y entretenerse.</a:t>
+              <a:t> Tiene como objetivo que las personas residentes en Argentina con el objetivo de preparar a la persona para obtener su licencia de conducir, y también poder aprender sobre la temática y entretenerse.</a:t>
             </a:r>
             <a:endParaRPr sz="1629"/>
           </a:p>
           <a:p>
-            <a:pPr indent="0" lvl="0" marL="0" rtl="0" algn="l">
+            <a:pPr marL="0" lvl="0" indent="0" algn="l" rtl="0">
               <a:spcBef>
                 <a:spcPts val="1200"/>
               </a:spcBef>
@@ -6137,15 +6293,7 @@
             </a:pPr>
             <a:r>
               <a:rPr lang="es-419" sz="1629"/>
-              <a:t> El usuario ingresa a la </a:t>
-            </a:r>
-            <a:r>
-              <a:rPr lang="es-419" sz="1629"/>
-              <a:t>aplicación</a:t>
-            </a:r>
-            <a:r>
-              <a:rPr lang="es-419" sz="1629"/>
-              <a:t> y puede elegir entre jugar en </a:t>
+              <a:t> El usuario ingresa a la aplicación y puede elegir entre jugar en </a:t>
             </a:r>
             <a:r>
               <a:rPr lang="es-419" sz="1629">
@@ -6165,80 +6313,16 @@
                   <a:srgbClr val="9900FF"/>
                 </a:solidFill>
               </a:rPr>
-              <a:t>Modo </a:t>
-            </a:r>
-            <a:r>
-              <a:rPr lang="es-419" sz="1629">
-                <a:solidFill>
-                  <a:srgbClr val="9900FF"/>
-                </a:solidFill>
-              </a:rPr>
-              <a:t>Práctica</a:t>
+              <a:t>Modo Práctica</a:t>
             </a:r>
             <a:r>
               <a:rPr lang="es-419" sz="1629"/>
-              <a:t> donde </a:t>
-            </a:r>
-            <a:r>
-              <a:rPr lang="es-419" sz="1629"/>
-              <a:t>tendrá</a:t>
-            </a:r>
-            <a:r>
-              <a:rPr lang="es-419" sz="1629"/>
-              <a:t> un </a:t>
-            </a:r>
-            <a:r>
-              <a:rPr lang="es-419" sz="1629"/>
-              <a:t>teórico</a:t>
-            </a:r>
-            <a:r>
-              <a:rPr lang="es-419" sz="1629"/>
-              <a:t> para aprender sobre la </a:t>
-            </a:r>
-            <a:r>
-              <a:rPr lang="es-419" sz="1629"/>
-              <a:t>temática</a:t>
-            </a:r>
-            <a:r>
-              <a:rPr lang="es-419" sz="1629"/>
-              <a:t> y </a:t>
-            </a:r>
-            <a:r>
-              <a:rPr lang="es-419" sz="1629"/>
-              <a:t>también</a:t>
-            </a:r>
-            <a:r>
-              <a:rPr lang="es-419" sz="1629"/>
-              <a:t> </a:t>
-            </a:r>
-            <a:r>
-              <a:rPr lang="es-419" sz="1629"/>
-              <a:t>podrá</a:t>
-            </a:r>
-            <a:r>
-              <a:rPr lang="es-419" sz="1629"/>
-              <a:t> entrar a la </a:t>
-            </a:r>
-            <a:r>
-              <a:rPr lang="es-419" sz="1629"/>
-              <a:t>práctica</a:t>
-            </a:r>
-            <a:r>
-              <a:rPr lang="es-419" sz="1629"/>
-              <a:t> libremente sin contar con un </a:t>
-            </a:r>
-            <a:r>
-              <a:rPr lang="es-419" sz="1629"/>
-              <a:t>límite</a:t>
-            </a:r>
-            <a:r>
-              <a:rPr lang="es-419" sz="1629"/>
-              <a:t> de vidas.</a:t>
+              <a:t> donde tendrá un teórico para aprender sobre la temática y también podrá entrar a la práctica libremente sin contar con un límite de vidas.</a:t>
             </a:r>
             <a:endParaRPr sz="1629"/>
           </a:p>
           <a:p>
-            <a:pPr indent="0" lvl="0" marL="0" rtl="0" algn="l">
+            <a:pPr marL="0" lvl="0" indent="0" algn="l" rtl="0">
               <a:spcBef>
                 <a:spcPts val="1200"/>
               </a:spcBef>
@@ -6250,15 +6334,7 @@
             </a:pPr>
             <a:r>
               <a:rPr lang="es-419" sz="1629"/>
-              <a:t> En ambos casos se </a:t>
-            </a:r>
-            <a:r>
-              <a:rPr lang="es-419" sz="1629"/>
-              <a:t>podrá</a:t>
-            </a:r>
-            <a:r>
-              <a:rPr lang="es-419" sz="1629"/>
-              <a:t> contestar una serie de </a:t>
+              <a:t> En ambos casos se podrá contestar una serie de </a:t>
             </a:r>
             <a:r>
               <a:rPr lang="es-419" sz="1629">
@@ -6282,52 +6358,12 @@
             </a:r>
             <a:r>
               <a:rPr lang="es-419" sz="1629"/>
-              <a:t> posibles donde el usuario </a:t>
-            </a:r>
-            <a:r>
-              <a:rPr lang="es-419" sz="1629"/>
-              <a:t>deberá</a:t>
-            </a:r>
-            <a:r>
-              <a:rPr lang="es-419" sz="1629"/>
-              <a:t> </a:t>
-            </a:r>
-            <a:r>
-              <a:rPr lang="es-419" sz="1629"/>
-              <a:t>intentar</a:t>
-            </a:r>
-            <a:r>
-              <a:rPr lang="es-419" sz="1629"/>
-              <a:t> </a:t>
-            </a:r>
-            <a:r>
-              <a:rPr lang="es-419" sz="1629"/>
-              <a:t>acertar</a:t>
-            </a:r>
-            <a:r>
-              <a:rPr lang="es-419" sz="1629"/>
-              <a:t> y </a:t>
-            </a:r>
-            <a:r>
-              <a:rPr lang="es-419" sz="1629"/>
-              <a:t>podrá</a:t>
-            </a:r>
-            <a:r>
-              <a:rPr lang="es-419" sz="1629"/>
-              <a:t> ir practicando para su examen </a:t>
-            </a:r>
-            <a:r>
-              <a:rPr lang="es-419" sz="1629"/>
-              <a:t>teórico</a:t>
-            </a:r>
-            <a:r>
-              <a:rPr lang="es-419" sz="1629"/>
-              <a:t> de conducir.</a:t>
+              <a:t> posibles donde el usuario deberá intentar acertar y podrá ir practicando para su examen teórico de conducir.</a:t>
             </a:r>
             <a:endParaRPr sz="1629"/>
           </a:p>
           <a:p>
-            <a:pPr indent="0" lvl="0" marL="0" rtl="0" algn="l">
+            <a:pPr marL="0" lvl="0" indent="0" algn="l" rtl="0">
               <a:spcBef>
                 <a:spcPts val="1200"/>
               </a:spcBef>
@@ -6337,9 +6373,6 @@
               <a:buSzPts val="935"/>
               <a:buNone/>
             </a:pPr>
-            <a:r>
-              <a:t/>
-            </a:r>
             <a:endParaRPr sz="1629"/>
           </a:p>
         </p:txBody>
@@ -6349,15 +6382,22 @@
   <p:clrMapOvr>
     <a:masterClrMapping/>
   </p:clrMapOvr>
+  <p:timing>
+    <p:tnLst>
+      <p:par>
+        <p:cTn id="1" dur="indefinite" restart="never" nodeType="tmRoot"/>
+      </p:par>
+    </p:tnLst>
+  </p:timing>
 </p:sld>
 </file>
 
 <file path=ppt/slides/slide3.xml><?xml version="1.0" encoding="utf-8"?>
-<p:sld xmlns:a="http://schemas.openxmlformats.org/drawingml/2006/main" xmlns:r="http://schemas.openxmlformats.org/officeDocument/2006/relationships" xmlns:mc="http://schemas.openxmlformats.org/markup-compatibility/2006" xmlns:mv="urn:schemas-microsoft-com:mac:vml" xmlns:p="http://schemas.openxmlformats.org/presentationml/2006/main" xmlns:c="http://schemas.openxmlformats.org/drawingml/2006/chart" xmlns:dgm="http://schemas.openxmlformats.org/drawingml/2006/diagram" xmlns:o="urn:schemas-microsoft-com:office:office" xmlns:v="urn:schemas-microsoft-com:vml" xmlns:pvml="urn:schemas-microsoft-com:office:powerpoint" xmlns:com="http://schemas.openxmlformats.org/drawingml/2006/compatibility" xmlns:p14="http://schemas.microsoft.com/office/powerpoint/2010/main" xmlns:p15="http://schemas.microsoft.com/office/powerpoint/2012/main" xmlns:ahyp="http://schemas.microsoft.com/office/drawing/2018/hyperlinkcolor">
+<p:sld xmlns:a="http://schemas.openxmlformats.org/drawingml/2006/main" xmlns:r="http://schemas.openxmlformats.org/officeDocument/2006/relationships" xmlns:p="http://schemas.openxmlformats.org/presentationml/2006/main">
   <p:cSld>
     <p:spTree>
       <p:nvGrpSpPr>
-        <p:cNvPr id="65" name="Shape 65"/>
+        <p:cNvPr id="1" name="Shape 65"/>
         <p:cNvGrpSpPr/>
         <p:nvPr/>
       </p:nvGrpSpPr>
@@ -6400,7 +6440,9 @@
       <p:sp>
         <p:nvSpPr>
           <p:cNvPr id="67" name="Google Shape;67;p15"/>
-          <p:cNvSpPr txBox="1"/>
+          <p:cNvSpPr txBox="1">
+            <a:spLocks noGrp="1"/>
+          </p:cNvSpPr>
           <p:nvPr>
             <p:ph type="title"/>
           </p:nvPr>
@@ -6415,12 +6457,12 @@
           </a:prstGeom>
         </p:spPr>
         <p:txBody>
-          <a:bodyPr anchorCtr="0" anchor="ctr" bIns="91425" lIns="91425" spcFirstLastPara="1" rIns="91425" wrap="square" tIns="91425">
+          <a:bodyPr spcFirstLastPara="1" wrap="square" lIns="91425" tIns="91425" rIns="91425" bIns="91425" anchor="ctr" anchorCtr="0">
             <a:normAutofit/>
           </a:bodyPr>
           <a:lstStyle/>
           <a:p>
-            <a:pPr indent="0" lvl="0" marL="0" rtl="0" algn="r">
+            <a:pPr marL="0" lvl="0" indent="0" algn="r" rtl="0">
               <a:spcBef>
                 <a:spcPts val="0"/>
               </a:spcBef>
@@ -6442,15 +6484,22 @@
   <p:clrMapOvr>
     <a:masterClrMapping/>
   </p:clrMapOvr>
+  <p:timing>
+    <p:tnLst>
+      <p:par>
+        <p:cTn id="1" dur="indefinite" restart="never" nodeType="tmRoot"/>
+      </p:par>
+    </p:tnLst>
+  </p:timing>
 </p:sld>
 </file>
 
 <file path=ppt/slides/slide4.xml><?xml version="1.0" encoding="utf-8"?>
-<p:sld xmlns:a="http://schemas.openxmlformats.org/drawingml/2006/main" xmlns:r="http://schemas.openxmlformats.org/officeDocument/2006/relationships" xmlns:mc="http://schemas.openxmlformats.org/markup-compatibility/2006" xmlns:mv="urn:schemas-microsoft-com:mac:vml" xmlns:p="http://schemas.openxmlformats.org/presentationml/2006/main" xmlns:c="http://schemas.openxmlformats.org/drawingml/2006/chart" xmlns:dgm="http://schemas.openxmlformats.org/drawingml/2006/diagram" xmlns:o="urn:schemas-microsoft-com:office:office" xmlns:v="urn:schemas-microsoft-com:vml" xmlns:pvml="urn:schemas-microsoft-com:office:powerpoint" xmlns:com="http://schemas.openxmlformats.org/drawingml/2006/compatibility" xmlns:p14="http://schemas.microsoft.com/office/powerpoint/2010/main" xmlns:p15="http://schemas.microsoft.com/office/powerpoint/2012/main" xmlns:ahyp="http://schemas.microsoft.com/office/drawing/2018/hyperlinkcolor">
+<p:sld xmlns:a="http://schemas.openxmlformats.org/drawingml/2006/main" xmlns:r="http://schemas.openxmlformats.org/officeDocument/2006/relationships" xmlns:p="http://schemas.openxmlformats.org/presentationml/2006/main">
   <p:cSld>
     <p:spTree>
       <p:nvGrpSpPr>
-        <p:cNvPr id="71" name="Shape 71"/>
+        <p:cNvPr id="1" name="Shape 71"/>
         <p:cNvGrpSpPr/>
         <p:nvPr/>
       </p:nvGrpSpPr>
@@ -6465,7 +6514,9 @@
       <p:sp>
         <p:nvSpPr>
           <p:cNvPr id="72" name="Google Shape;72;p16"/>
-          <p:cNvSpPr txBox="1"/>
+          <p:cNvSpPr txBox="1">
+            <a:spLocks noGrp="1"/>
+          </p:cNvSpPr>
           <p:nvPr>
             <p:ph type="title"/>
           </p:nvPr>
@@ -6480,12 +6531,12 @@
           </a:prstGeom>
         </p:spPr>
         <p:txBody>
-          <a:bodyPr anchorCtr="0" anchor="t" bIns="91425" lIns="91425" spcFirstLastPara="1" rIns="91425" wrap="square" tIns="91425">
+          <a:bodyPr spcFirstLastPara="1" wrap="square" lIns="91425" tIns="91425" rIns="91425" bIns="91425" anchor="t" anchorCtr="0">
             <a:noAutofit/>
           </a:bodyPr>
           <a:lstStyle/>
           <a:p>
-            <a:pPr indent="0" lvl="0" marL="0" rtl="0" algn="l">
+            <a:pPr marL="0" lvl="0" indent="0" algn="l" rtl="0">
               <a:spcBef>
                 <a:spcPts val="0"/>
               </a:spcBef>
@@ -6506,9 +6557,11 @@
       <p:sp>
         <p:nvSpPr>
           <p:cNvPr id="73" name="Google Shape;73;p16"/>
-          <p:cNvSpPr txBox="1"/>
+          <p:cNvSpPr txBox="1">
+            <a:spLocks noGrp="1"/>
+          </p:cNvSpPr>
           <p:nvPr>
-            <p:ph idx="1" type="body"/>
+            <p:ph type="body" idx="1"/>
           </p:nvPr>
         </p:nvSpPr>
         <p:spPr>
@@ -6521,12 +6574,12 @@
           </a:prstGeom>
         </p:spPr>
         <p:txBody>
-          <a:bodyPr anchorCtr="0" anchor="t" bIns="91425" lIns="91425" spcFirstLastPara="1" rIns="91425" wrap="square" tIns="91425">
+          <a:bodyPr spcFirstLastPara="1" wrap="square" lIns="91425" tIns="91425" rIns="91425" bIns="91425" anchor="t" anchorCtr="0">
             <a:normAutofit/>
           </a:bodyPr>
           <a:lstStyle/>
           <a:p>
-            <a:pPr indent="-381000" lvl="0" marL="457200" rtl="0" algn="just">
+            <a:pPr marL="457200" lvl="0" indent="-381000" algn="just" rtl="0">
               <a:lnSpc>
                 <a:spcPct val="100000"/>
               </a:lnSpc>
@@ -6557,7 +6610,7 @@
             </a:endParaRPr>
           </a:p>
           <a:p>
-            <a:pPr indent="-381000" lvl="0" marL="457200" rtl="0" algn="just">
+            <a:pPr marL="457200" lvl="0" indent="-381000" algn="just" rtl="0">
               <a:lnSpc>
                 <a:spcPct val="100000"/>
               </a:lnSpc>
@@ -6588,7 +6641,7 @@
             </a:endParaRPr>
           </a:p>
           <a:p>
-            <a:pPr indent="-381000" lvl="0" marL="457200" rtl="0" algn="just">
+            <a:pPr marL="457200" lvl="0" indent="-381000" algn="just" rtl="0">
               <a:lnSpc>
                 <a:spcPct val="100000"/>
               </a:lnSpc>
@@ -6619,7 +6672,7 @@
             </a:endParaRPr>
           </a:p>
           <a:p>
-            <a:pPr indent="-381000" lvl="0" marL="457200" rtl="0" algn="just">
+            <a:pPr marL="457200" lvl="0" indent="-381000" algn="just" rtl="0">
               <a:lnSpc>
                 <a:spcPct val="100000"/>
               </a:lnSpc>
@@ -6650,7 +6703,7 @@
             </a:endParaRPr>
           </a:p>
           <a:p>
-            <a:pPr indent="-381000" lvl="0" marL="457200" rtl="0" algn="just">
+            <a:pPr marL="457200" lvl="0" indent="-381000" algn="just" rtl="0">
               <a:lnSpc>
                 <a:spcPct val="100000"/>
               </a:lnSpc>
@@ -6681,7 +6734,7 @@
             </a:endParaRPr>
           </a:p>
           <a:p>
-            <a:pPr indent="-381000" lvl="0" marL="457200" rtl="0" algn="just">
+            <a:pPr marL="457200" lvl="0" indent="-381000" algn="just" rtl="0">
               <a:lnSpc>
                 <a:spcPct val="100000"/>
               </a:lnSpc>
@@ -6712,7 +6765,7 @@
             </a:endParaRPr>
           </a:p>
           <a:p>
-            <a:pPr indent="-381000" lvl="0" marL="457200" rtl="0" algn="just">
+            <a:pPr marL="457200" lvl="0" indent="-381000" algn="just" rtl="0">
               <a:lnSpc>
                 <a:spcPct val="100000"/>
               </a:lnSpc>
@@ -6743,7 +6796,7 @@
             </a:endParaRPr>
           </a:p>
           <a:p>
-            <a:pPr indent="-381000" lvl="0" marL="457200" rtl="0" algn="just">
+            <a:pPr marL="457200" lvl="0" indent="-381000" algn="just" rtl="0">
               <a:lnSpc>
                 <a:spcPct val="100000"/>
               </a:lnSpc>
@@ -6776,15 +6829,22 @@
   <p:clrMapOvr>
     <a:masterClrMapping/>
   </p:clrMapOvr>
+  <p:timing>
+    <p:tnLst>
+      <p:par>
+        <p:cTn id="1" dur="indefinite" restart="never" nodeType="tmRoot"/>
+      </p:par>
+    </p:tnLst>
+  </p:timing>
 </p:sld>
 </file>
 
 <file path=ppt/slides/slide5.xml><?xml version="1.0" encoding="utf-8"?>
-<p:sld xmlns:a="http://schemas.openxmlformats.org/drawingml/2006/main" xmlns:r="http://schemas.openxmlformats.org/officeDocument/2006/relationships" xmlns:mc="http://schemas.openxmlformats.org/markup-compatibility/2006" xmlns:mv="urn:schemas-microsoft-com:mac:vml" xmlns:p="http://schemas.openxmlformats.org/presentationml/2006/main" xmlns:c="http://schemas.openxmlformats.org/drawingml/2006/chart" xmlns:dgm="http://schemas.openxmlformats.org/drawingml/2006/diagram" xmlns:o="urn:schemas-microsoft-com:office:office" xmlns:v="urn:schemas-microsoft-com:vml" xmlns:pvml="urn:schemas-microsoft-com:office:powerpoint" xmlns:com="http://schemas.openxmlformats.org/drawingml/2006/compatibility" xmlns:p14="http://schemas.microsoft.com/office/powerpoint/2010/main" xmlns:p15="http://schemas.microsoft.com/office/powerpoint/2012/main" xmlns:ahyp="http://schemas.microsoft.com/office/drawing/2018/hyperlinkcolor">
+<p:sld xmlns:a="http://schemas.openxmlformats.org/drawingml/2006/main" xmlns:r="http://schemas.openxmlformats.org/officeDocument/2006/relationships" xmlns:p="http://schemas.openxmlformats.org/presentationml/2006/main">
   <p:cSld>
     <p:spTree>
       <p:nvGrpSpPr>
-        <p:cNvPr id="77" name="Shape 77"/>
+        <p:cNvPr id="1" name="Shape 77"/>
         <p:cNvGrpSpPr/>
         <p:nvPr/>
       </p:nvGrpSpPr>
@@ -6799,7 +6859,9 @@
       <p:sp>
         <p:nvSpPr>
           <p:cNvPr id="78" name="Google Shape;78;p17"/>
-          <p:cNvSpPr txBox="1"/>
+          <p:cNvSpPr txBox="1">
+            <a:spLocks noGrp="1"/>
+          </p:cNvSpPr>
           <p:nvPr>
             <p:ph type="title"/>
           </p:nvPr>
@@ -6814,12 +6876,12 @@
           </a:prstGeom>
         </p:spPr>
         <p:txBody>
-          <a:bodyPr anchorCtr="0" anchor="ctr" bIns="91425" lIns="91425" spcFirstLastPara="1" rIns="91425" wrap="square" tIns="91425">
+          <a:bodyPr spcFirstLastPara="1" wrap="square" lIns="91425" tIns="91425" rIns="91425" bIns="91425" anchor="ctr" anchorCtr="0">
             <a:normAutofit/>
           </a:bodyPr>
           <a:lstStyle/>
           <a:p>
-            <a:pPr indent="0" lvl="0" marL="0" rtl="0" algn="l">
+            <a:pPr marL="0" lvl="0" indent="0" algn="l" rtl="0">
               <a:spcBef>
                 <a:spcPts val="0"/>
               </a:spcBef>
@@ -6852,8 +6914,8 @@
         </p:blipFill>
         <p:spPr>
           <a:xfrm>
-            <a:off x="407175" y="1640245"/>
-            <a:ext cx="2075076" cy="1804380"/>
+            <a:off x="65241" y="1903939"/>
+            <a:ext cx="1712878" cy="1543222"/>
           </a:xfrm>
           <a:prstGeom prst="rect">
             <a:avLst/>
@@ -6880,8 +6942,8 @@
         </p:blipFill>
         <p:spPr>
           <a:xfrm>
-            <a:off x="3047750" y="1459625"/>
-            <a:ext cx="2461101" cy="2105775"/>
+            <a:off x="1887874" y="1881219"/>
+            <a:ext cx="1896785" cy="1543222"/>
           </a:xfrm>
           <a:prstGeom prst="rect">
             <a:avLst/>
@@ -6908,8 +6970,8 @@
         </p:blipFill>
         <p:spPr>
           <a:xfrm>
-            <a:off x="5931150" y="1928612"/>
-            <a:ext cx="3093501" cy="1167800"/>
+            <a:off x="6452416" y="2302081"/>
+            <a:ext cx="2691584" cy="1167800"/>
           </a:xfrm>
           <a:prstGeom prst="rect">
             <a:avLst/>
@@ -6920,16 +6982,53 @@
           </a:ln>
         </p:spPr>
       </p:pic>
+      <p:pic>
+        <p:nvPicPr>
+          <p:cNvPr id="2" name="Imagen 1"/>
+          <p:cNvPicPr>
+            <a:picLocks noChangeAspect="1"/>
+          </p:cNvPicPr>
+          <p:nvPr/>
+        </p:nvPicPr>
+        <p:blipFill>
+          <a:blip r:embed="rId6">
+            <a:extLst>
+              <a:ext uri="{28A0092B-C50C-407E-A947-70E740481C1C}">
+                <a14:useLocalDpi xmlns:a14="http://schemas.microsoft.com/office/drawing/2010/main" val="0"/>
+              </a:ext>
+            </a:extLst>
+          </a:blip>
+          <a:stretch>
+            <a:fillRect/>
+          </a:stretch>
+        </p:blipFill>
+        <p:spPr>
+          <a:xfrm>
+            <a:off x="3894414" y="1881219"/>
+            <a:ext cx="2338493" cy="1588662"/>
+          </a:xfrm>
+          <a:prstGeom prst="rect">
+            <a:avLst/>
+          </a:prstGeom>
+        </p:spPr>
+      </p:pic>
     </p:spTree>
   </p:cSld>
   <p:clrMapOvr>
     <a:masterClrMapping/>
   </p:clrMapOvr>
+  <p:timing>
+    <p:tnLst>
+      <p:par>
+        <p:cTn id="1" dur="indefinite" restart="never" nodeType="tmRoot"/>
+      </p:par>
+    </p:tnLst>
+  </p:timing>
 </p:sld>
 </file>
 
 <file path=ppt/theme/theme1.xml><?xml version="1.0" encoding="utf-8"?>
-<a:theme xmlns:a="http://schemas.openxmlformats.org/drawingml/2006/main" xmlns:r="http://schemas.openxmlformats.org/officeDocument/2006/relationships" name="Simple Light">
+<a:theme xmlns:a="http://schemas.openxmlformats.org/drawingml/2006/main" name="Simple Light">
   <a:themeElements>
     <a:clrScheme name="Simple Light">
       <a:dk1>
@@ -7204,11 +7303,13 @@
       </a:bgFillStyleLst>
     </a:fmtScheme>
   </a:themeElements>
+  <a:objectDefaults/>
+  <a:extraClrSchemeLst/>
 </a:theme>
 </file>
 
 <file path=ppt/theme/theme2.xml><?xml version="1.0" encoding="utf-8"?>
-<a:theme xmlns:a="http://schemas.openxmlformats.org/drawingml/2006/main" xmlns:r="http://schemas.openxmlformats.org/officeDocument/2006/relationships">
+<a:theme xmlns:a="http://schemas.openxmlformats.org/drawingml/2006/main">
   <a:themeElements>
     <a:clrScheme name="Default">
       <a:dk1>
@@ -7483,5 +7584,7 @@
       </a:bgFillStyleLst>
     </a:fmtScheme>
   </a:themeElements>
+  <a:objectDefaults/>
+  <a:extraClrSchemeLst/>
 </a:theme>
 </file>